--- a/Documentation/Parameters space.pptx
+++ b/Documentation/Parameters space.pptx
@@ -104,6 +104,11 @@
       </a:defRPr>
     </a:lvl9pPr>
   </p:defaultTextStyle>
+  <p:extLst>
+    <p:ext uri="{EFAFB233-063F-42B5-8137-9DF3F51BA10A}">
+      <p15:sldGuideLst xmlns:p15="http://schemas.microsoft.com/office/powerpoint/2012/main"/>
+    </p:ext>
+  </p:extLst>
 </p:presentation>
 </file>
 
@@ -238,7 +243,7 @@
           <a:p>
             <a:fld id="{82230ED6-5AAA-0A4A-9B1D-EC2D861041EB}" type="datetimeFigureOut">
               <a:rPr lang="en-US" smtClean="0"/>
-              <a:t>8/5/16</a:t>
+              <a:t>8/8/16</a:t>
             </a:fld>
             <a:endParaRPr lang="en-US"/>
           </a:p>
@@ -408,7 +413,7 @@
           <a:p>
             <a:fld id="{82230ED6-5AAA-0A4A-9B1D-EC2D861041EB}" type="datetimeFigureOut">
               <a:rPr lang="en-US" smtClean="0"/>
-              <a:t>8/5/16</a:t>
+              <a:t>8/8/16</a:t>
             </a:fld>
             <a:endParaRPr lang="en-US"/>
           </a:p>
@@ -588,7 +593,7 @@
           <a:p>
             <a:fld id="{82230ED6-5AAA-0A4A-9B1D-EC2D861041EB}" type="datetimeFigureOut">
               <a:rPr lang="en-US" smtClean="0"/>
-              <a:t>8/5/16</a:t>
+              <a:t>8/8/16</a:t>
             </a:fld>
             <a:endParaRPr lang="en-US"/>
           </a:p>
@@ -758,7 +763,7 @@
           <a:p>
             <a:fld id="{82230ED6-5AAA-0A4A-9B1D-EC2D861041EB}" type="datetimeFigureOut">
               <a:rPr lang="en-US" smtClean="0"/>
-              <a:t>8/5/16</a:t>
+              <a:t>8/8/16</a:t>
             </a:fld>
             <a:endParaRPr lang="en-US"/>
           </a:p>
@@ -1004,7 +1009,7 @@
           <a:p>
             <a:fld id="{82230ED6-5AAA-0A4A-9B1D-EC2D861041EB}" type="datetimeFigureOut">
               <a:rPr lang="en-US" smtClean="0"/>
-              <a:t>8/5/16</a:t>
+              <a:t>8/8/16</a:t>
             </a:fld>
             <a:endParaRPr lang="en-US"/>
           </a:p>
@@ -1236,7 +1241,7 @@
           <a:p>
             <a:fld id="{82230ED6-5AAA-0A4A-9B1D-EC2D861041EB}" type="datetimeFigureOut">
               <a:rPr lang="en-US" smtClean="0"/>
-              <a:t>8/5/16</a:t>
+              <a:t>8/8/16</a:t>
             </a:fld>
             <a:endParaRPr lang="en-US"/>
           </a:p>
@@ -1603,7 +1608,7 @@
           <a:p>
             <a:fld id="{82230ED6-5AAA-0A4A-9B1D-EC2D861041EB}" type="datetimeFigureOut">
               <a:rPr lang="en-US" smtClean="0"/>
-              <a:t>8/5/16</a:t>
+              <a:t>8/8/16</a:t>
             </a:fld>
             <a:endParaRPr lang="en-US"/>
           </a:p>
@@ -1721,7 +1726,7 @@
           <a:p>
             <a:fld id="{82230ED6-5AAA-0A4A-9B1D-EC2D861041EB}" type="datetimeFigureOut">
               <a:rPr lang="en-US" smtClean="0"/>
-              <a:t>8/5/16</a:t>
+              <a:t>8/8/16</a:t>
             </a:fld>
             <a:endParaRPr lang="en-US"/>
           </a:p>
@@ -1816,7 +1821,7 @@
           <a:p>
             <a:fld id="{82230ED6-5AAA-0A4A-9B1D-EC2D861041EB}" type="datetimeFigureOut">
               <a:rPr lang="en-US" smtClean="0"/>
-              <a:t>8/5/16</a:t>
+              <a:t>8/8/16</a:t>
             </a:fld>
             <a:endParaRPr lang="en-US"/>
           </a:p>
@@ -2093,7 +2098,7 @@
           <a:p>
             <a:fld id="{82230ED6-5AAA-0A4A-9B1D-EC2D861041EB}" type="datetimeFigureOut">
               <a:rPr lang="en-US" smtClean="0"/>
-              <a:t>8/5/16</a:t>
+              <a:t>8/8/16</a:t>
             </a:fld>
             <a:endParaRPr lang="en-US"/>
           </a:p>
@@ -2350,7 +2355,7 @@
           <a:p>
             <a:fld id="{82230ED6-5AAA-0A4A-9B1D-EC2D861041EB}" type="datetimeFigureOut">
               <a:rPr lang="en-US" smtClean="0"/>
-              <a:t>8/5/16</a:t>
+              <a:t>8/8/16</a:t>
             </a:fld>
             <a:endParaRPr lang="en-US"/>
           </a:p>
@@ -2563,7 +2568,7 @@
           <a:p>
             <a:fld id="{82230ED6-5AAA-0A4A-9B1D-EC2D861041EB}" type="datetimeFigureOut">
               <a:rPr lang="en-US" smtClean="0"/>
-              <a:t>8/5/16</a:t>
+              <a:t>8/8/16</a:t>
             </a:fld>
             <a:endParaRPr lang="en-US"/>
           </a:p>
@@ -2970,14 +2975,14 @@
       </p:grpSpPr>
       <p:sp>
         <p:nvSpPr>
-          <p:cNvPr id="149" name="TextBox 148"/>
+          <p:cNvPr id="168" name="TextBox 167"/>
           <p:cNvSpPr txBox="1"/>
           <p:nvPr/>
         </p:nvSpPr>
         <p:spPr>
           <a:xfrm>
-            <a:off x="5037700" y="5148807"/>
-            <a:ext cx="338554" cy="461793"/>
+            <a:off x="5061624" y="5431542"/>
+            <a:ext cx="309700" cy="584904"/>
           </a:xfrm>
           <a:prstGeom prst="rect">
             <a:avLst/>
@@ -2991,10 +2996,70 @@
           <a:lstStyle/>
           <a:p>
             <a:r>
-              <a:rPr lang="en-US" sz="2401"/>
+              <a:rPr lang="en-US" sz="3201" dirty="0"/>
+              <a:t>-</a:t>
+            </a:r>
+            <a:endParaRPr lang="en-US" sz="2000" dirty="0"/>
+          </a:p>
+        </p:txBody>
+      </p:sp>
+      <p:sp>
+        <p:nvSpPr>
+          <p:cNvPr id="141" name="TextBox 140"/>
+          <p:cNvSpPr txBox="1"/>
+          <p:nvPr/>
+        </p:nvSpPr>
+        <p:spPr>
+          <a:xfrm>
+            <a:off x="5394942" y="4349799"/>
+            <a:ext cx="309700" cy="584904"/>
+          </a:xfrm>
+          <a:prstGeom prst="rect">
+            <a:avLst/>
+          </a:prstGeom>
+          <a:noFill/>
+        </p:spPr>
+        <p:txBody>
+          <a:bodyPr wrap="none" rtlCol="0">
+            <a:spAutoFit/>
+          </a:bodyPr>
+          <a:lstStyle/>
+          <a:p>
+            <a:r>
+              <a:rPr lang="en-US" sz="3201" dirty="0"/>
+              <a:t>-</a:t>
+            </a:r>
+            <a:endParaRPr lang="en-US" sz="2000" dirty="0"/>
+          </a:p>
+        </p:txBody>
+      </p:sp>
+      <p:sp>
+        <p:nvSpPr>
+          <p:cNvPr id="149" name="TextBox 148"/>
+          <p:cNvSpPr txBox="1"/>
+          <p:nvPr/>
+        </p:nvSpPr>
+        <p:spPr>
+          <a:xfrm>
+            <a:off x="5037700" y="5148807"/>
+            <a:ext cx="312906" cy="400110"/>
+          </a:xfrm>
+          <a:prstGeom prst="rect">
+            <a:avLst/>
+          </a:prstGeom>
+          <a:noFill/>
+        </p:spPr>
+        <p:txBody>
+          <a:bodyPr wrap="none" rtlCol="0">
+            <a:spAutoFit/>
+          </a:bodyPr>
+          <a:lstStyle/>
+          <a:p>
+            <a:r>
+              <a:rPr lang="en-US" sz="2000" dirty="0"/>
               <a:t>+</a:t>
             </a:r>
-            <a:endParaRPr lang="en-US" sz="1600" dirty="0"/>
+            <a:endParaRPr lang="en-US" sz="1200" dirty="0"/>
           </a:p>
         </p:txBody>
       </p:sp>
@@ -5226,7 +5291,7 @@
         </p:nvCxnSpPr>
         <p:spPr>
           <a:xfrm>
-            <a:off x="7009562" y="2144013"/>
+            <a:off x="7009562" y="2136925"/>
             <a:ext cx="703247" cy="700053"/>
           </a:xfrm>
           <a:prstGeom prst="line">
@@ -5262,7 +5327,7 @@
         </p:nvCxnSpPr>
         <p:spPr>
           <a:xfrm>
-            <a:off x="7709099" y="2146512"/>
+            <a:off x="7709099" y="2132336"/>
             <a:ext cx="703247" cy="700053"/>
           </a:xfrm>
           <a:prstGeom prst="line">
@@ -5515,7 +5580,7 @@
         </p:nvCxnSpPr>
         <p:spPr>
           <a:xfrm>
-            <a:off x="4326152" y="5143842"/>
+            <a:off x="4326152" y="5129666"/>
             <a:ext cx="703247" cy="700053"/>
           </a:xfrm>
           <a:prstGeom prst="line">
@@ -5572,36 +5637,6 @@
           </a:p>
         </p:txBody>
       </p:sp>
-      <p:sp>
-        <p:nvSpPr>
-          <p:cNvPr id="141" name="TextBox 140"/>
-          <p:cNvSpPr txBox="1"/>
-          <p:nvPr/>
-        </p:nvSpPr>
-        <p:spPr>
-          <a:xfrm>
-            <a:off x="5394942" y="4349799"/>
-            <a:ext cx="309700" cy="584904"/>
-          </a:xfrm>
-          <a:prstGeom prst="rect">
-            <a:avLst/>
-          </a:prstGeom>
-          <a:noFill/>
-        </p:spPr>
-        <p:txBody>
-          <a:bodyPr wrap="none" rtlCol="0">
-            <a:spAutoFit/>
-          </a:bodyPr>
-          <a:lstStyle/>
-          <a:p>
-            <a:r>
-              <a:rPr lang="en-US" sz="3201" dirty="0"/>
-              <a:t>-</a:t>
-            </a:r>
-            <a:endParaRPr lang="en-US" sz="2000" dirty="0"/>
-          </a:p>
-        </p:txBody>
-      </p:sp>
       <p:cxnSp>
         <p:nvCxnSpPr>
           <p:cNvPr id="142" name="Straight Connector 141"/>
@@ -5610,7 +5645,7 @@
         </p:nvCxnSpPr>
         <p:spPr>
           <a:xfrm>
-            <a:off x="5049037" y="4440101"/>
+            <a:off x="5027773" y="4433013"/>
             <a:ext cx="703247" cy="700053"/>
           </a:xfrm>
           <a:prstGeom prst="line">
@@ -5646,7 +5681,7 @@
         </p:nvSpPr>
         <p:spPr>
           <a:xfrm>
-            <a:off x="5563632" y="4366602"/>
+            <a:off x="5521104" y="4366602"/>
             <a:ext cx="276038" cy="307905"/>
           </a:xfrm>
           <a:prstGeom prst="rect">
@@ -5764,41 +5799,6 @@
           </a:fontRef>
         </p:style>
       </p:cxnSp>
-      <p:cxnSp>
-        <p:nvCxnSpPr>
-          <p:cNvPr id="157" name="Straight Connector 156"/>
-          <p:cNvCxnSpPr/>
-          <p:nvPr/>
-        </p:nvCxnSpPr>
-        <p:spPr>
-          <a:xfrm>
-            <a:off x="5033801" y="5511598"/>
-            <a:ext cx="320040" cy="5031"/>
-          </a:xfrm>
-          <a:prstGeom prst="line">
-            <a:avLst/>
-          </a:prstGeom>
-          <a:ln>
-            <a:solidFill>
-              <a:schemeClr val="tx1"/>
-            </a:solidFill>
-          </a:ln>
-        </p:spPr>
-        <p:style>
-          <a:lnRef idx="1">
-            <a:schemeClr val="accent1"/>
-          </a:lnRef>
-          <a:fillRef idx="0">
-            <a:schemeClr val="accent1"/>
-          </a:fillRef>
-          <a:effectRef idx="0">
-            <a:schemeClr val="accent1"/>
-          </a:effectRef>
-          <a:fontRef idx="minor">
-            <a:schemeClr val="tx1"/>
-          </a:fontRef>
-        </p:style>
-      </p:cxnSp>
       <p:sp>
         <p:nvSpPr>
           <p:cNvPr id="163" name="Rectangle 162"/>
@@ -5934,36 +5934,6 @@
               <a:t> / X}</a:t>
             </a:r>
             <a:endParaRPr lang="en-US" sz="1401" dirty="0"/>
-          </a:p>
-        </p:txBody>
-      </p:sp>
-      <p:sp>
-        <p:nvSpPr>
-          <p:cNvPr id="168" name="TextBox 167"/>
-          <p:cNvSpPr txBox="1"/>
-          <p:nvPr/>
-        </p:nvSpPr>
-        <p:spPr>
-          <a:xfrm>
-            <a:off x="5061624" y="5431542"/>
-            <a:ext cx="309700" cy="584904"/>
-          </a:xfrm>
-          <a:prstGeom prst="rect">
-            <a:avLst/>
-          </a:prstGeom>
-          <a:noFill/>
-        </p:spPr>
-        <p:txBody>
-          <a:bodyPr wrap="none" rtlCol="0">
-            <a:spAutoFit/>
-          </a:bodyPr>
-          <a:lstStyle/>
-          <a:p>
-            <a:r>
-              <a:rPr lang="en-US" sz="3201" dirty="0"/>
-              <a:t>-</a:t>
-            </a:r>
-            <a:endParaRPr lang="en-US" sz="2000" dirty="0"/>
           </a:p>
         </p:txBody>
       </p:sp>
@@ -6734,6 +6704,41 @@
           </a:p>
         </p:txBody>
       </p:sp>
+      <p:cxnSp>
+        <p:nvCxnSpPr>
+          <p:cNvPr id="109" name="Straight Connector 108"/>
+          <p:cNvCxnSpPr/>
+          <p:nvPr/>
+        </p:nvCxnSpPr>
+        <p:spPr>
+          <a:xfrm flipH="1">
+            <a:off x="5015939" y="5493491"/>
+            <a:ext cx="331968" cy="0"/>
+          </a:xfrm>
+          <a:prstGeom prst="line">
+            <a:avLst/>
+          </a:prstGeom>
+          <a:ln>
+            <a:solidFill>
+              <a:schemeClr val="tx1"/>
+            </a:solidFill>
+          </a:ln>
+        </p:spPr>
+        <p:style>
+          <a:lnRef idx="1">
+            <a:schemeClr val="accent1"/>
+          </a:lnRef>
+          <a:fillRef idx="0">
+            <a:schemeClr val="accent1"/>
+          </a:fillRef>
+          <a:effectRef idx="0">
+            <a:schemeClr val="accent1"/>
+          </a:effectRef>
+          <a:fontRef idx="minor">
+            <a:schemeClr val="tx1"/>
+          </a:fontRef>
+        </p:style>
+      </p:cxnSp>
     </p:spTree>
     <p:extLst>
       <p:ext uri="{BB962C8B-B14F-4D97-AF65-F5344CB8AC3E}">

--- a/Documentation/Parameters space.pptx
+++ b/Documentation/Parameters space.pptx
@@ -3041,7 +3041,7 @@
         </p:nvSpPr>
         <p:spPr>
           <a:xfrm>
-            <a:off x="5037700" y="5148807"/>
+            <a:off x="5066276" y="5163095"/>
             <a:ext cx="312906" cy="400110"/>
           </a:xfrm>
           <a:prstGeom prst="rect">
@@ -4434,7 +4434,7 @@
           <a:lstStyle/>
           <a:p>
             <a:r>
-              <a:rPr lang="en-US"/>
+              <a:rPr lang="en-US" dirty="0" smtClean="0"/>
               <a:t>F</a:t>
             </a:r>
             <a:endParaRPr lang="en-US" dirty="0"/>
@@ -4524,7 +4524,7 @@
           <a:lstStyle/>
           <a:p>
             <a:r>
-              <a:rPr lang="en-US"/>
+              <a:rPr lang="en-US" dirty="0"/>
               <a:t>Non-D</a:t>
             </a:r>
           </a:p>
@@ -4944,9 +4944,10 @@
           <a:lstStyle/>
           <a:p>
             <a:r>
-              <a:rPr lang="en-US" dirty="0"/>
+              <a:rPr lang="en-US" dirty="0" smtClean="0"/>
               <a:t>D</a:t>
             </a:r>
+            <a:endParaRPr lang="en-US" dirty="0"/>
           </a:p>
         </p:txBody>
       </p:sp>

--- a/Documentation/Parameters space.pptx
+++ b/Documentation/Parameters space.pptx
@@ -243,7 +243,7 @@
           <a:p>
             <a:fld id="{82230ED6-5AAA-0A4A-9B1D-EC2D861041EB}" type="datetimeFigureOut">
               <a:rPr lang="en-US" smtClean="0"/>
-              <a:t>8/8/16</a:t>
+              <a:t>8/26/16</a:t>
             </a:fld>
             <a:endParaRPr lang="en-US"/>
           </a:p>
@@ -413,7 +413,7 @@
           <a:p>
             <a:fld id="{82230ED6-5AAA-0A4A-9B1D-EC2D861041EB}" type="datetimeFigureOut">
               <a:rPr lang="en-US" smtClean="0"/>
-              <a:t>8/8/16</a:t>
+              <a:t>8/26/16</a:t>
             </a:fld>
             <a:endParaRPr lang="en-US"/>
           </a:p>
@@ -593,7 +593,7 @@
           <a:p>
             <a:fld id="{82230ED6-5AAA-0A4A-9B1D-EC2D861041EB}" type="datetimeFigureOut">
               <a:rPr lang="en-US" smtClean="0"/>
-              <a:t>8/8/16</a:t>
+              <a:t>8/26/16</a:t>
             </a:fld>
             <a:endParaRPr lang="en-US"/>
           </a:p>
@@ -763,7 +763,7 @@
           <a:p>
             <a:fld id="{82230ED6-5AAA-0A4A-9B1D-EC2D861041EB}" type="datetimeFigureOut">
               <a:rPr lang="en-US" smtClean="0"/>
-              <a:t>8/8/16</a:t>
+              <a:t>8/26/16</a:t>
             </a:fld>
             <a:endParaRPr lang="en-US"/>
           </a:p>
@@ -1009,7 +1009,7 @@
           <a:p>
             <a:fld id="{82230ED6-5AAA-0A4A-9B1D-EC2D861041EB}" type="datetimeFigureOut">
               <a:rPr lang="en-US" smtClean="0"/>
-              <a:t>8/8/16</a:t>
+              <a:t>8/26/16</a:t>
             </a:fld>
             <a:endParaRPr lang="en-US"/>
           </a:p>
@@ -1241,7 +1241,7 @@
           <a:p>
             <a:fld id="{82230ED6-5AAA-0A4A-9B1D-EC2D861041EB}" type="datetimeFigureOut">
               <a:rPr lang="en-US" smtClean="0"/>
-              <a:t>8/8/16</a:t>
+              <a:t>8/26/16</a:t>
             </a:fld>
             <a:endParaRPr lang="en-US"/>
           </a:p>
@@ -1608,7 +1608,7 @@
           <a:p>
             <a:fld id="{82230ED6-5AAA-0A4A-9B1D-EC2D861041EB}" type="datetimeFigureOut">
               <a:rPr lang="en-US" smtClean="0"/>
-              <a:t>8/8/16</a:t>
+              <a:t>8/26/16</a:t>
             </a:fld>
             <a:endParaRPr lang="en-US"/>
           </a:p>
@@ -1726,7 +1726,7 @@
           <a:p>
             <a:fld id="{82230ED6-5AAA-0A4A-9B1D-EC2D861041EB}" type="datetimeFigureOut">
               <a:rPr lang="en-US" smtClean="0"/>
-              <a:t>8/8/16</a:t>
+              <a:t>8/26/16</a:t>
             </a:fld>
             <a:endParaRPr lang="en-US"/>
           </a:p>
@@ -1821,7 +1821,7 @@
           <a:p>
             <a:fld id="{82230ED6-5AAA-0A4A-9B1D-EC2D861041EB}" type="datetimeFigureOut">
               <a:rPr lang="en-US" smtClean="0"/>
-              <a:t>8/8/16</a:t>
+              <a:t>8/26/16</a:t>
             </a:fld>
             <a:endParaRPr lang="en-US"/>
           </a:p>
@@ -2098,7 +2098,7 @@
           <a:p>
             <a:fld id="{82230ED6-5AAA-0A4A-9B1D-EC2D861041EB}" type="datetimeFigureOut">
               <a:rPr lang="en-US" smtClean="0"/>
-              <a:t>8/8/16</a:t>
+              <a:t>8/26/16</a:t>
             </a:fld>
             <a:endParaRPr lang="en-US"/>
           </a:p>
@@ -2355,7 +2355,7 @@
           <a:p>
             <a:fld id="{82230ED6-5AAA-0A4A-9B1D-EC2D861041EB}" type="datetimeFigureOut">
               <a:rPr lang="en-US" smtClean="0"/>
-              <a:t>8/8/16</a:t>
+              <a:t>8/26/16</a:t>
             </a:fld>
             <a:endParaRPr lang="en-US"/>
           </a:p>
@@ -2568,7 +2568,7 @@
           <a:p>
             <a:fld id="{82230ED6-5AAA-0A4A-9B1D-EC2D861041EB}" type="datetimeFigureOut">
               <a:rPr lang="en-US" smtClean="0"/>
-              <a:t>8/8/16</a:t>
+              <a:t>8/26/16</a:t>
             </a:fld>
             <a:endParaRPr lang="en-US"/>
           </a:p>
@@ -6153,266 +6153,55 @@
           </a:p>
         </p:txBody>
       </p:sp>
-      <p:grpSp>
-        <p:nvGrpSpPr>
-          <p:cNvPr id="176" name="Group 175"/>
-          <p:cNvGrpSpPr/>
-          <p:nvPr/>
-        </p:nvGrpSpPr>
-        <p:grpSpPr>
+      <p:sp>
+        <p:nvSpPr>
+          <p:cNvPr id="178" name="Rectangle 177"/>
+          <p:cNvSpPr/>
+          <p:nvPr/>
+        </p:nvSpPr>
+        <p:spPr>
           <a:xfrm>
             <a:off x="7068371" y="4427991"/>
-            <a:ext cx="1396332" cy="1396332"/>
-            <a:chOff x="965200" y="1282700"/>
-            <a:chExt cx="1828800" cy="1828800"/>
-          </a:xfrm>
-        </p:grpSpPr>
-        <p:sp>
-          <p:nvSpPr>
-            <p:cNvPr id="177" name="Rectangle 176"/>
-            <p:cNvSpPr/>
-            <p:nvPr/>
-          </p:nvSpPr>
-          <p:spPr>
-            <a:xfrm>
-              <a:off x="965200" y="1282700"/>
-              <a:ext cx="1828800" cy="1828800"/>
-            </a:xfrm>
-            <a:prstGeom prst="rect">
+            <a:ext cx="1402938" cy="1402938"/>
+          </a:xfrm>
+          <a:prstGeom prst="rect">
+            <a:avLst/>
+          </a:prstGeom>
+          <a:noFill/>
+          <a:ln>
+            <a:solidFill>
+              <a:schemeClr val="tx1"/>
+            </a:solidFill>
+          </a:ln>
+        </p:spPr>
+        <p:style>
+          <a:lnRef idx="2">
+            <a:schemeClr val="accent6"/>
+          </a:lnRef>
+          <a:fillRef idx="1">
+            <a:schemeClr val="lt1"/>
+          </a:fillRef>
+          <a:effectRef idx="0">
+            <a:schemeClr val="accent6"/>
+          </a:effectRef>
+          <a:fontRef idx="minor">
+            <a:schemeClr val="dk1"/>
+          </a:fontRef>
+        </p:style>
+        <p:txBody>
+          <a:bodyPr rot="0" spcFirstLastPara="0" vertOverflow="overflow" horzOverflow="overflow" vert="horz" wrap="square" lIns="91440" tIns="45720" rIns="91440" bIns="45720" numCol="1" spcCol="0" rtlCol="0" fromWordArt="0" anchor="ctr" anchorCtr="0" forceAA="0" compatLnSpc="1">
+            <a:prstTxWarp prst="textNoShape">
               <a:avLst/>
-            </a:prstGeom>
-            <a:noFill/>
-            <a:ln>
-              <a:solidFill>
-                <a:schemeClr val="tx1"/>
-              </a:solidFill>
-            </a:ln>
-          </p:spPr>
-          <p:style>
-            <a:lnRef idx="2">
-              <a:schemeClr val="accent6"/>
-            </a:lnRef>
-            <a:fillRef idx="1">
-              <a:schemeClr val="lt1"/>
-            </a:fillRef>
-            <a:effectRef idx="0">
-              <a:schemeClr val="accent6"/>
-            </a:effectRef>
-            <a:fontRef idx="minor">
-              <a:schemeClr val="dk1"/>
-            </a:fontRef>
-          </p:style>
-          <p:txBody>
-            <a:bodyPr rot="0" spcFirstLastPara="0" vertOverflow="overflow" horzOverflow="overflow" vert="horz" wrap="square" lIns="91440" tIns="45720" rIns="91440" bIns="45720" numCol="1" spcCol="0" rtlCol="0" fromWordArt="0" anchor="ctr" anchorCtr="0" forceAA="0" compatLnSpc="1">
-              <a:prstTxWarp prst="textNoShape">
-                <a:avLst/>
-              </a:prstTxWarp>
-              <a:noAutofit/>
-            </a:bodyPr>
-            <a:lstStyle/>
-            <a:p>
-              <a:pPr algn="ctr"/>
-              <a:endParaRPr lang="en-US" b="1"/>
-            </a:p>
-          </p:txBody>
-        </p:sp>
-        <p:sp>
-          <p:nvSpPr>
-            <p:cNvPr id="178" name="Rectangle 177"/>
-            <p:cNvSpPr/>
-            <p:nvPr/>
-          </p:nvSpPr>
-          <p:spPr>
-            <a:xfrm>
-              <a:off x="965200" y="1282700"/>
-              <a:ext cx="914400" cy="914400"/>
-            </a:xfrm>
-            <a:prstGeom prst="rect">
-              <a:avLst/>
-            </a:prstGeom>
-            <a:noFill/>
-            <a:ln>
-              <a:solidFill>
-                <a:schemeClr val="tx1"/>
-              </a:solidFill>
-            </a:ln>
-          </p:spPr>
-          <p:style>
-            <a:lnRef idx="2">
-              <a:schemeClr val="accent6"/>
-            </a:lnRef>
-            <a:fillRef idx="1">
-              <a:schemeClr val="lt1"/>
-            </a:fillRef>
-            <a:effectRef idx="0">
-              <a:schemeClr val="accent6"/>
-            </a:effectRef>
-            <a:fontRef idx="minor">
-              <a:schemeClr val="dk1"/>
-            </a:fontRef>
-          </p:style>
-          <p:txBody>
-            <a:bodyPr rot="0" spcFirstLastPara="0" vertOverflow="overflow" horzOverflow="overflow" vert="horz" wrap="square" lIns="91440" tIns="45720" rIns="91440" bIns="45720" numCol="1" spcCol="0" rtlCol="0" fromWordArt="0" anchor="ctr" anchorCtr="0" forceAA="0" compatLnSpc="1">
-              <a:prstTxWarp prst="textNoShape">
-                <a:avLst/>
-              </a:prstTxWarp>
-              <a:noAutofit/>
-            </a:bodyPr>
-            <a:lstStyle/>
-            <a:p>
-              <a:pPr algn="ctr"/>
-              <a:endParaRPr lang="en-US" b="1"/>
-            </a:p>
-          </p:txBody>
-        </p:sp>
-        <p:sp>
-          <p:nvSpPr>
-            <p:cNvPr id="179" name="Rectangle 178"/>
-            <p:cNvSpPr/>
-            <p:nvPr/>
-          </p:nvSpPr>
-          <p:spPr>
-            <a:xfrm>
-              <a:off x="965200" y="2197100"/>
-              <a:ext cx="914400" cy="914400"/>
-            </a:xfrm>
-            <a:prstGeom prst="rect">
-              <a:avLst/>
-            </a:prstGeom>
-            <a:noFill/>
-            <a:ln>
-              <a:solidFill>
-                <a:schemeClr val="tx1"/>
-              </a:solidFill>
-            </a:ln>
-          </p:spPr>
-          <p:style>
-            <a:lnRef idx="2">
-              <a:schemeClr val="accent6"/>
-            </a:lnRef>
-            <a:fillRef idx="1">
-              <a:schemeClr val="lt1"/>
-            </a:fillRef>
-            <a:effectRef idx="0">
-              <a:schemeClr val="accent6"/>
-            </a:effectRef>
-            <a:fontRef idx="minor">
-              <a:schemeClr val="dk1"/>
-            </a:fontRef>
-          </p:style>
-          <p:txBody>
-            <a:bodyPr rot="0" spcFirstLastPara="0" vertOverflow="overflow" horzOverflow="overflow" vert="horz" wrap="square" lIns="91440" tIns="45720" rIns="91440" bIns="45720" numCol="1" spcCol="0" rtlCol="0" fromWordArt="0" anchor="ctr" anchorCtr="0" forceAA="0" compatLnSpc="1">
-              <a:prstTxWarp prst="textNoShape">
-                <a:avLst/>
-              </a:prstTxWarp>
-              <a:noAutofit/>
-            </a:bodyPr>
-            <a:lstStyle/>
-            <a:p>
-              <a:pPr algn="ctr"/>
-              <a:endParaRPr lang="en-US" b="1"/>
-            </a:p>
-          </p:txBody>
-        </p:sp>
-        <p:sp>
-          <p:nvSpPr>
-            <p:cNvPr id="180" name="Rectangle 179"/>
-            <p:cNvSpPr/>
-            <p:nvPr/>
-          </p:nvSpPr>
-          <p:spPr>
-            <a:xfrm>
-              <a:off x="1879600" y="1282700"/>
-              <a:ext cx="914400" cy="914400"/>
-            </a:xfrm>
-            <a:prstGeom prst="rect">
-              <a:avLst/>
-            </a:prstGeom>
-            <a:noFill/>
-            <a:ln>
-              <a:solidFill>
-                <a:schemeClr val="tx1"/>
-              </a:solidFill>
-            </a:ln>
-          </p:spPr>
-          <p:style>
-            <a:lnRef idx="2">
-              <a:schemeClr val="accent6"/>
-            </a:lnRef>
-            <a:fillRef idx="1">
-              <a:schemeClr val="lt1"/>
-            </a:fillRef>
-            <a:effectRef idx="0">
-              <a:schemeClr val="accent6"/>
-            </a:effectRef>
-            <a:fontRef idx="minor">
-              <a:schemeClr val="dk1"/>
-            </a:fontRef>
-          </p:style>
-          <p:txBody>
-            <a:bodyPr rot="0" spcFirstLastPara="0" vertOverflow="overflow" horzOverflow="overflow" vert="horz" wrap="square" lIns="91440" tIns="45720" rIns="91440" bIns="45720" numCol="1" spcCol="0" rtlCol="0" fromWordArt="0" anchor="ctr" anchorCtr="0" forceAA="0" compatLnSpc="1">
-              <a:prstTxWarp prst="textNoShape">
-                <a:avLst/>
-              </a:prstTxWarp>
-              <a:noAutofit/>
-            </a:bodyPr>
-            <a:lstStyle/>
-            <a:p>
-              <a:pPr algn="ctr"/>
-              <a:endParaRPr lang="en-US" b="1"/>
-            </a:p>
-          </p:txBody>
-        </p:sp>
-        <p:sp>
-          <p:nvSpPr>
-            <p:cNvPr id="181" name="Rectangle 180"/>
-            <p:cNvSpPr/>
-            <p:nvPr/>
-          </p:nvSpPr>
-          <p:spPr>
-            <a:xfrm>
-              <a:off x="1879600" y="2197100"/>
-              <a:ext cx="914400" cy="914400"/>
-            </a:xfrm>
-            <a:prstGeom prst="rect">
-              <a:avLst/>
-            </a:prstGeom>
-            <a:noFill/>
-            <a:ln>
-              <a:solidFill>
-                <a:schemeClr val="tx1"/>
-              </a:solidFill>
-            </a:ln>
-          </p:spPr>
-          <p:style>
-            <a:lnRef idx="2">
-              <a:schemeClr val="accent6"/>
-            </a:lnRef>
-            <a:fillRef idx="1">
-              <a:schemeClr val="lt1"/>
-            </a:fillRef>
-            <a:effectRef idx="0">
-              <a:schemeClr val="accent6"/>
-            </a:effectRef>
-            <a:fontRef idx="minor">
-              <a:schemeClr val="dk1"/>
-            </a:fontRef>
-          </p:style>
-          <p:txBody>
-            <a:bodyPr rot="0" spcFirstLastPara="0" vertOverflow="overflow" horzOverflow="overflow" vert="horz" wrap="square" lIns="91440" tIns="45720" rIns="91440" bIns="45720" numCol="1" spcCol="0" rtlCol="0" fromWordArt="0" anchor="ctr" anchorCtr="0" forceAA="0" compatLnSpc="1">
-              <a:prstTxWarp prst="textNoShape">
-                <a:avLst/>
-              </a:prstTxWarp>
-              <a:noAutofit/>
-            </a:bodyPr>
-            <a:lstStyle/>
-            <a:p>
-              <a:pPr algn="ctr"/>
-              <a:endParaRPr lang="en-US" b="1"/>
-            </a:p>
-          </p:txBody>
-        </p:sp>
-      </p:grpSp>
+            </a:prstTxWarp>
+            <a:noAutofit/>
+          </a:bodyPr>
+          <a:lstStyle/>
+          <a:p>
+            <a:pPr algn="ctr"/>
+            <a:endParaRPr lang="en-US" b="1"/>
+          </a:p>
+        </p:txBody>
+      </p:sp>
       <p:sp>
         <p:nvSpPr>
           <p:cNvPr id="182" name="TextBox 181"/>

--- a/Documentation/Parameters space.pptx
+++ b/Documentation/Parameters space.pptx
@@ -243,7 +243,7 @@
           <a:p>
             <a:fld id="{82230ED6-5AAA-0A4A-9B1D-EC2D861041EB}" type="datetimeFigureOut">
               <a:rPr lang="en-US" smtClean="0"/>
-              <a:t>8/26/16</a:t>
+              <a:t>9/23/16</a:t>
             </a:fld>
             <a:endParaRPr lang="en-US"/>
           </a:p>
@@ -413,7 +413,7 @@
           <a:p>
             <a:fld id="{82230ED6-5AAA-0A4A-9B1D-EC2D861041EB}" type="datetimeFigureOut">
               <a:rPr lang="en-US" smtClean="0"/>
-              <a:t>8/26/16</a:t>
+              <a:t>9/23/16</a:t>
             </a:fld>
             <a:endParaRPr lang="en-US"/>
           </a:p>
@@ -593,7 +593,7 @@
           <a:p>
             <a:fld id="{82230ED6-5AAA-0A4A-9B1D-EC2D861041EB}" type="datetimeFigureOut">
               <a:rPr lang="en-US" smtClean="0"/>
-              <a:t>8/26/16</a:t>
+              <a:t>9/23/16</a:t>
             </a:fld>
             <a:endParaRPr lang="en-US"/>
           </a:p>
@@ -763,7 +763,7 @@
           <a:p>
             <a:fld id="{82230ED6-5AAA-0A4A-9B1D-EC2D861041EB}" type="datetimeFigureOut">
               <a:rPr lang="en-US" smtClean="0"/>
-              <a:t>8/26/16</a:t>
+              <a:t>9/23/16</a:t>
             </a:fld>
             <a:endParaRPr lang="en-US"/>
           </a:p>
@@ -1009,7 +1009,7 @@
           <a:p>
             <a:fld id="{82230ED6-5AAA-0A4A-9B1D-EC2D861041EB}" type="datetimeFigureOut">
               <a:rPr lang="en-US" smtClean="0"/>
-              <a:t>8/26/16</a:t>
+              <a:t>9/23/16</a:t>
             </a:fld>
             <a:endParaRPr lang="en-US"/>
           </a:p>
@@ -1241,7 +1241,7 @@
           <a:p>
             <a:fld id="{82230ED6-5AAA-0A4A-9B1D-EC2D861041EB}" type="datetimeFigureOut">
               <a:rPr lang="en-US" smtClean="0"/>
-              <a:t>8/26/16</a:t>
+              <a:t>9/23/16</a:t>
             </a:fld>
             <a:endParaRPr lang="en-US"/>
           </a:p>
@@ -1608,7 +1608,7 @@
           <a:p>
             <a:fld id="{82230ED6-5AAA-0A4A-9B1D-EC2D861041EB}" type="datetimeFigureOut">
               <a:rPr lang="en-US" smtClean="0"/>
-              <a:t>8/26/16</a:t>
+              <a:t>9/23/16</a:t>
             </a:fld>
             <a:endParaRPr lang="en-US"/>
           </a:p>
@@ -1726,7 +1726,7 @@
           <a:p>
             <a:fld id="{82230ED6-5AAA-0A4A-9B1D-EC2D861041EB}" type="datetimeFigureOut">
               <a:rPr lang="en-US" smtClean="0"/>
-              <a:t>8/26/16</a:t>
+              <a:t>9/23/16</a:t>
             </a:fld>
             <a:endParaRPr lang="en-US"/>
           </a:p>
@@ -1821,7 +1821,7 @@
           <a:p>
             <a:fld id="{82230ED6-5AAA-0A4A-9B1D-EC2D861041EB}" type="datetimeFigureOut">
               <a:rPr lang="en-US" smtClean="0"/>
-              <a:t>8/26/16</a:t>
+              <a:t>9/23/16</a:t>
             </a:fld>
             <a:endParaRPr lang="en-US"/>
           </a:p>
@@ -2098,7 +2098,7 @@
           <a:p>
             <a:fld id="{82230ED6-5AAA-0A4A-9B1D-EC2D861041EB}" type="datetimeFigureOut">
               <a:rPr lang="en-US" smtClean="0"/>
-              <a:t>8/26/16</a:t>
+              <a:t>9/23/16</a:t>
             </a:fld>
             <a:endParaRPr lang="en-US"/>
           </a:p>
@@ -2355,7 +2355,7 @@
           <a:p>
             <a:fld id="{82230ED6-5AAA-0A4A-9B1D-EC2D861041EB}" type="datetimeFigureOut">
               <a:rPr lang="en-US" smtClean="0"/>
-              <a:t>8/26/16</a:t>
+              <a:t>9/23/16</a:t>
             </a:fld>
             <a:endParaRPr lang="en-US"/>
           </a:p>
@@ -2568,7 +2568,7 @@
           <a:p>
             <a:fld id="{82230ED6-5AAA-0A4A-9B1D-EC2D861041EB}" type="datetimeFigureOut">
               <a:rPr lang="en-US" smtClean="0"/>
-              <a:t>8/26/16</a:t>
+              <a:t>9/23/16</a:t>
             </a:fld>
             <a:endParaRPr lang="en-US"/>
           </a:p>
@@ -2975,14 +2975,14 @@
       </p:grpSpPr>
       <p:sp>
         <p:nvSpPr>
-          <p:cNvPr id="168" name="TextBox 167"/>
+          <p:cNvPr id="171" name="TextBox 170"/>
           <p:cNvSpPr txBox="1"/>
           <p:nvPr/>
         </p:nvSpPr>
         <p:spPr>
           <a:xfrm>
-            <a:off x="5061624" y="5431542"/>
-            <a:ext cx="309700" cy="584904"/>
+            <a:off x="7296324" y="2162479"/>
+            <a:ext cx="338554" cy="461793"/>
           </a:xfrm>
           <a:prstGeom prst="rect">
             <a:avLst/>
@@ -2996,100 +2996,10 @@
           <a:lstStyle/>
           <a:p>
             <a:r>
-              <a:rPr lang="en-US" sz="3201" dirty="0"/>
-              <a:t>-</a:t>
-            </a:r>
-            <a:endParaRPr lang="en-US" sz="2000" dirty="0"/>
-          </a:p>
-        </p:txBody>
-      </p:sp>
-      <p:sp>
-        <p:nvSpPr>
-          <p:cNvPr id="141" name="TextBox 140"/>
-          <p:cNvSpPr txBox="1"/>
-          <p:nvPr/>
-        </p:nvSpPr>
-        <p:spPr>
-          <a:xfrm>
-            <a:off x="5394942" y="4349799"/>
-            <a:ext cx="309700" cy="584904"/>
-          </a:xfrm>
-          <a:prstGeom prst="rect">
-            <a:avLst/>
-          </a:prstGeom>
-          <a:noFill/>
-        </p:spPr>
-        <p:txBody>
-          <a:bodyPr wrap="none" rtlCol="0">
-            <a:spAutoFit/>
-          </a:bodyPr>
-          <a:lstStyle/>
-          <a:p>
-            <a:r>
-              <a:rPr lang="en-US" sz="3201" dirty="0"/>
-              <a:t>-</a:t>
-            </a:r>
-            <a:endParaRPr lang="en-US" sz="2000" dirty="0"/>
-          </a:p>
-        </p:txBody>
-      </p:sp>
-      <p:sp>
-        <p:nvSpPr>
-          <p:cNvPr id="149" name="TextBox 148"/>
-          <p:cNvSpPr txBox="1"/>
-          <p:nvPr/>
-        </p:nvSpPr>
-        <p:spPr>
-          <a:xfrm>
-            <a:off x="5066276" y="5163095"/>
-            <a:ext cx="312906" cy="400110"/>
-          </a:xfrm>
-          <a:prstGeom prst="rect">
-            <a:avLst/>
-          </a:prstGeom>
-          <a:noFill/>
-        </p:spPr>
-        <p:txBody>
-          <a:bodyPr wrap="none" rtlCol="0">
-            <a:spAutoFit/>
-          </a:bodyPr>
-          <a:lstStyle/>
-          <a:p>
-            <a:r>
-              <a:rPr lang="en-US" sz="2000" dirty="0"/>
+              <a:rPr lang="en-US" sz="2401" dirty="0" smtClean="0"/>
               <a:t>+</a:t>
             </a:r>
-            <a:endParaRPr lang="en-US" sz="1200" dirty="0"/>
-          </a:p>
-        </p:txBody>
-      </p:sp>
-      <p:sp>
-        <p:nvSpPr>
-          <p:cNvPr id="121" name="TextBox 120"/>
-          <p:cNvSpPr txBox="1"/>
-          <p:nvPr/>
-        </p:nvSpPr>
-        <p:spPr>
-          <a:xfrm>
-            <a:off x="1988656" y="5098291"/>
-            <a:ext cx="309700" cy="584904"/>
-          </a:xfrm>
-          <a:prstGeom prst="rect">
-            <a:avLst/>
-          </a:prstGeom>
-          <a:noFill/>
-        </p:spPr>
-        <p:txBody>
-          <a:bodyPr wrap="none" rtlCol="0">
-            <a:spAutoFit/>
-          </a:bodyPr>
-          <a:lstStyle/>
-          <a:p>
-            <a:r>
-              <a:rPr lang="en-US" sz="3201" dirty="0"/>
-              <a:t>-</a:t>
-            </a:r>
-            <a:endParaRPr lang="en-US" sz="2000" dirty="0"/>
+            <a:endParaRPr lang="en-US" sz="1600" dirty="0"/>
           </a:p>
         </p:txBody>
       </p:sp>
@@ -5250,42 +5160,6 @@
       </p:sp>
       <p:cxnSp>
         <p:nvCxnSpPr>
-          <p:cNvPr id="89" name="Straight Connector 88"/>
-          <p:cNvCxnSpPr/>
-          <p:nvPr/>
-        </p:nvCxnSpPr>
-        <p:spPr>
-          <a:xfrm>
-            <a:off x="1642751" y="5156509"/>
-            <a:ext cx="703247" cy="700053"/>
-          </a:xfrm>
-          <a:prstGeom prst="line">
-            <a:avLst/>
-          </a:prstGeom>
-          <a:ln>
-            <a:solidFill>
-              <a:schemeClr val="tx1"/>
-            </a:solidFill>
-            <a:prstDash val="dashDot"/>
-          </a:ln>
-        </p:spPr>
-        <p:style>
-          <a:lnRef idx="1">
-            <a:schemeClr val="accent1"/>
-          </a:lnRef>
-          <a:fillRef idx="0">
-            <a:schemeClr val="accent1"/>
-          </a:fillRef>
-          <a:effectRef idx="0">
-            <a:schemeClr val="accent1"/>
-          </a:effectRef>
-          <a:fontRef idx="minor">
-            <a:schemeClr val="tx1"/>
-          </a:fontRef>
-        </p:style>
-      </p:cxnSp>
-      <p:cxnSp>
-        <p:nvCxnSpPr>
           <p:cNvPr id="91" name="Straight Connector 90"/>
           <p:cNvCxnSpPr/>
           <p:nvPr/>
@@ -5364,8 +5238,251 @@
         </p:nvSpPr>
         <p:spPr>
           <a:xfrm>
-            <a:off x="9625034" y="5431541"/>
-            <a:ext cx="2952155" cy="1170192"/>
+            <a:off x="9434830" y="2531549"/>
+            <a:ext cx="3073983" cy="307905"/>
+          </a:xfrm>
+          <a:prstGeom prst="rect">
+            <a:avLst/>
+          </a:prstGeom>
+          <a:noFill/>
+          <a:ln>
+            <a:noFill/>
+          </a:ln>
+        </p:spPr>
+        <p:txBody>
+          <a:bodyPr wrap="none" rtlCol="0">
+            <a:spAutoFit/>
+          </a:bodyPr>
+          <a:lstStyle/>
+          <a:p>
+            <a:pPr algn="just"/>
+            <a:r>
+              <a:rPr lang="en-US" sz="1401" smtClean="0"/>
+              <a:t>1</a:t>
+            </a:r>
+            <a:r>
+              <a:rPr lang="en-US" sz="1401" smtClean="0"/>
+              <a:t> = Closer </a:t>
+            </a:r>
+            <a:r>
+              <a:rPr lang="en-US" sz="1401" dirty="0"/>
+              <a:t>areas to domestication origin</a:t>
+            </a:r>
+          </a:p>
+        </p:txBody>
+      </p:sp>
+      <p:sp>
+        <p:nvSpPr>
+          <p:cNvPr id="163" name="Rectangle 162"/>
+          <p:cNvSpPr/>
+          <p:nvPr/>
+        </p:nvSpPr>
+        <p:spPr>
+          <a:xfrm>
+            <a:off x="7447175" y="2076433"/>
+            <a:ext cx="276038" cy="307905"/>
+          </a:xfrm>
+          <a:prstGeom prst="rect">
+            <a:avLst/>
+          </a:prstGeom>
+        </p:spPr>
+        <p:txBody>
+          <a:bodyPr wrap="none">
+            <a:spAutoFit/>
+          </a:bodyPr>
+          <a:lstStyle/>
+          <a:p>
+            <a:r>
+              <a:rPr lang="en-US" sz="1401" dirty="0" smtClean="0"/>
+              <a:t>1</a:t>
+            </a:r>
+            <a:endParaRPr lang="en-US" dirty="0"/>
+          </a:p>
+        </p:txBody>
+      </p:sp>
+      <p:sp>
+        <p:nvSpPr>
+          <p:cNvPr id="164" name="Rectangle 163"/>
+          <p:cNvSpPr/>
+          <p:nvPr/>
+        </p:nvSpPr>
+        <p:spPr>
+          <a:xfrm>
+            <a:off x="8177304" y="2089748"/>
+            <a:ext cx="276038" cy="307905"/>
+          </a:xfrm>
+          <a:prstGeom prst="rect">
+            <a:avLst/>
+          </a:prstGeom>
+        </p:spPr>
+        <p:txBody>
+          <a:bodyPr wrap="none">
+            <a:spAutoFit/>
+          </a:bodyPr>
+          <a:lstStyle/>
+          <a:p>
+            <a:r>
+              <a:rPr lang="en-US" sz="1401" dirty="0"/>
+              <a:t>1</a:t>
+            </a:r>
+            <a:endParaRPr lang="en-US" dirty="0"/>
+          </a:p>
+        </p:txBody>
+      </p:sp>
+      <p:sp>
+        <p:nvSpPr>
+          <p:cNvPr id="170" name="TextBox 169"/>
+          <p:cNvSpPr txBox="1"/>
+          <p:nvPr/>
+        </p:nvSpPr>
+        <p:spPr>
+          <a:xfrm>
+            <a:off x="7958720" y="2170885"/>
+            <a:ext cx="338554" cy="461793"/>
+          </a:xfrm>
+          <a:prstGeom prst="rect">
+            <a:avLst/>
+          </a:prstGeom>
+          <a:noFill/>
+        </p:spPr>
+        <p:txBody>
+          <a:bodyPr wrap="none" rtlCol="0">
+            <a:spAutoFit/>
+          </a:bodyPr>
+          <a:lstStyle/>
+          <a:p>
+            <a:r>
+              <a:rPr lang="en-US" sz="2401" dirty="0" smtClean="0"/>
+              <a:t>+</a:t>
+            </a:r>
+            <a:endParaRPr lang="en-US" sz="1600" dirty="0"/>
+          </a:p>
+        </p:txBody>
+      </p:sp>
+      <p:sp>
+        <p:nvSpPr>
+          <p:cNvPr id="172" name="TextBox 171"/>
+          <p:cNvSpPr txBox="1"/>
+          <p:nvPr/>
+        </p:nvSpPr>
+        <p:spPr>
+          <a:xfrm>
+            <a:off x="9940725" y="1455004"/>
+            <a:ext cx="1223605" cy="400110"/>
+          </a:xfrm>
+          <a:prstGeom prst="rect">
+            <a:avLst/>
+          </a:prstGeom>
+          <a:noFill/>
+        </p:spPr>
+        <p:txBody>
+          <a:bodyPr wrap="none" rtlCol="0">
+            <a:spAutoFit/>
+          </a:bodyPr>
+          <a:lstStyle/>
+          <a:p>
+            <a:r>
+              <a:rPr lang="en-US" sz="2000" dirty="0"/>
+              <a:t>++ {p</a:t>
+            </a:r>
+            <a:r>
+              <a:rPr lang="en-US" sz="2000" baseline="-25000" dirty="0"/>
+              <a:t>i</a:t>
+            </a:r>
+            <a:r>
+              <a:rPr lang="en-US" sz="2000" dirty="0"/>
+              <a:t> * L</a:t>
+            </a:r>
+            <a:r>
+              <a:rPr lang="en-US" sz="2000" baseline="-25000" dirty="0"/>
+              <a:t>i</a:t>
+            </a:r>
+            <a:r>
+              <a:rPr lang="en-US" sz="2000" dirty="0"/>
+              <a:t>}</a:t>
+            </a:r>
+            <a:endParaRPr lang="en-US" sz="1401" dirty="0"/>
+          </a:p>
+        </p:txBody>
+      </p:sp>
+      <p:sp>
+        <p:nvSpPr>
+          <p:cNvPr id="173" name="TextBox 172"/>
+          <p:cNvSpPr txBox="1"/>
+          <p:nvPr/>
+        </p:nvSpPr>
+        <p:spPr>
+          <a:xfrm>
+            <a:off x="9783550" y="1941232"/>
+            <a:ext cx="2131994" cy="400110"/>
+          </a:xfrm>
+          <a:prstGeom prst="rect">
+            <a:avLst/>
+          </a:prstGeom>
+          <a:noFill/>
+        </p:spPr>
+        <p:txBody>
+          <a:bodyPr wrap="none" rtlCol="0">
+            <a:spAutoFit/>
+          </a:bodyPr>
+          <a:lstStyle/>
+          <a:p>
+            <a:r>
+              <a:rPr lang="en-US" sz="2000" dirty="0"/>
+              <a:t>L</a:t>
+            </a:r>
+            <a:r>
+              <a:rPr lang="en-US" sz="2000" baseline="-25000" dirty="0" smtClean="0"/>
+              <a:t>i</a:t>
+            </a:r>
+            <a:r>
+              <a:rPr lang="en-US" sz="2000" dirty="0"/>
+              <a:t> = Location factor</a:t>
+            </a:r>
+            <a:endParaRPr lang="en-US" sz="1401" dirty="0"/>
+          </a:p>
+        </p:txBody>
+      </p:sp>
+      <p:sp>
+        <p:nvSpPr>
+          <p:cNvPr id="174" name="TextBox 173"/>
+          <p:cNvSpPr txBox="1"/>
+          <p:nvPr/>
+        </p:nvSpPr>
+        <p:spPr>
+          <a:xfrm>
+            <a:off x="3556262" y="69158"/>
+            <a:ext cx="3179204" cy="584904"/>
+          </a:xfrm>
+          <a:prstGeom prst="rect">
+            <a:avLst/>
+          </a:prstGeom>
+          <a:noFill/>
+        </p:spPr>
+        <p:txBody>
+          <a:bodyPr wrap="none" rtlCol="0">
+            <a:spAutoFit/>
+          </a:bodyPr>
+          <a:lstStyle/>
+          <a:p>
+            <a:r>
+              <a:rPr lang="en-US" sz="3201" b="1"/>
+              <a:t>Parameters space</a:t>
+            </a:r>
+            <a:endParaRPr lang="en-US" sz="3201" b="1" dirty="0"/>
+          </a:p>
+        </p:txBody>
+      </p:sp>
+      <p:sp>
+        <p:nvSpPr>
+          <p:cNvPr id="105" name="TextBox 104"/>
+          <p:cNvSpPr txBox="1"/>
+          <p:nvPr/>
+        </p:nvSpPr>
+        <p:spPr>
+          <a:xfrm>
+            <a:off x="7579738" y="5266242"/>
+            <a:ext cx="4714149" cy="1170192"/>
           </a:xfrm>
           <a:prstGeom prst="rect">
             <a:avLst/>
@@ -5378,791 +5495,50 @@
           </a:ln>
         </p:spPr>
         <p:txBody>
-          <a:bodyPr wrap="none" rtlCol="0">
+          <a:bodyPr wrap="square" rtlCol="0">
             <a:spAutoFit/>
           </a:bodyPr>
           <a:lstStyle/>
           <a:p>
             <a:pPr algn="just"/>
             <a:r>
-              <a:rPr lang="en-US" sz="1401" dirty="0"/>
-              <a:t>1: Target is in a Non-D environment</a:t>
-            </a:r>
-          </a:p>
-          <a:p>
-            <a:pPr algn="just"/>
-            <a:r>
-              <a:rPr lang="en-US" sz="1401" dirty="0"/>
-              <a:t>2: Target is in a D environment</a:t>
-            </a:r>
-          </a:p>
-          <a:p>
-            <a:pPr algn="just"/>
-            <a:r>
-              <a:rPr lang="en-US" sz="1401" dirty="0"/>
-              <a:t>3: Source is in a  D environment</a:t>
-            </a:r>
-          </a:p>
-          <a:p>
-            <a:pPr algn="just"/>
-            <a:r>
-              <a:rPr lang="en-US" sz="1401" dirty="0"/>
-              <a:t>4: Source is in a  Non-D environment</a:t>
-            </a:r>
-          </a:p>
-          <a:p>
-            <a:pPr algn="just"/>
-            <a:r>
-              <a:rPr lang="en-US" sz="1401" dirty="0"/>
-              <a:t>5:Closer areas to domestication origin</a:t>
-            </a:r>
-          </a:p>
-        </p:txBody>
-      </p:sp>
-      <p:sp>
-        <p:nvSpPr>
-          <p:cNvPr id="99" name="Rectangle 98"/>
-          <p:cNvSpPr/>
-          <p:nvPr/>
-        </p:nvSpPr>
-        <p:spPr>
-          <a:xfrm>
-            <a:off x="2157346" y="5083011"/>
-            <a:ext cx="276038" cy="307905"/>
-          </a:xfrm>
-          <a:prstGeom prst="rect">
-            <a:avLst/>
-          </a:prstGeom>
-        </p:spPr>
-        <p:txBody>
-          <a:bodyPr wrap="none">
-            <a:spAutoFit/>
-          </a:bodyPr>
-          <a:lstStyle/>
-          <a:p>
-            <a:r>
-              <a:rPr lang="en-US" sz="1401" dirty="0"/>
-              <a:t>1</a:t>
-            </a:r>
-            <a:endParaRPr lang="en-US" dirty="0"/>
-          </a:p>
-        </p:txBody>
-      </p:sp>
-      <p:sp>
-        <p:nvSpPr>
-          <p:cNvPr id="129" name="TextBox 128"/>
+              <a:rPr lang="en-US" sz="1401" dirty="0" smtClean="0"/>
+              <a:t>Note2: For now we are not interested in maximizing the parameters of </a:t>
+            </a:r>
+            <a:r>
+              <a:rPr lang="en-US" sz="1401" b="1" dirty="0" err="1" smtClean="0"/>
+              <a:t>Arisal</a:t>
+            </a:r>
+            <a:r>
+              <a:rPr lang="en-US" sz="1401" dirty="0" smtClean="0"/>
+              <a:t>. So, it’s value is a random number </a:t>
+            </a:r>
+            <a:r>
+              <a:rPr lang="en-US" sz="1401" dirty="0" smtClean="0"/>
+              <a:t>taken from a </a:t>
+            </a:r>
+            <a:r>
+              <a:rPr lang="en-US" sz="1401" dirty="0" smtClean="0"/>
+              <a:t>decay distribution that approximate better with current estimations of number of independent origins. </a:t>
+            </a:r>
+            <a:r>
+              <a:rPr lang="en-US" sz="1401" dirty="0" smtClean="0"/>
+              <a:t>Also, for now the Location factor is set to 1.</a:t>
+            </a:r>
+            <a:endParaRPr lang="en-US" sz="1401" dirty="0" smtClean="0"/>
+          </a:p>
+        </p:txBody>
+      </p:sp>
+      <p:sp>
+        <p:nvSpPr>
+          <p:cNvPr id="106" name="TextBox 105"/>
           <p:cNvSpPr txBox="1"/>
           <p:nvPr/>
         </p:nvSpPr>
         <p:spPr>
           <a:xfrm>
-            <a:off x="2686608" y="4359418"/>
-            <a:ext cx="309700" cy="584904"/>
-          </a:xfrm>
-          <a:prstGeom prst="rect">
-            <a:avLst/>
-          </a:prstGeom>
-          <a:noFill/>
-        </p:spPr>
-        <p:txBody>
-          <a:bodyPr wrap="none" rtlCol="0">
-            <a:spAutoFit/>
-          </a:bodyPr>
-          <a:lstStyle/>
-          <a:p>
-            <a:r>
-              <a:rPr lang="en-US" sz="3201" dirty="0"/>
-              <a:t>-</a:t>
-            </a:r>
-            <a:endParaRPr lang="en-US" sz="2000" dirty="0"/>
-          </a:p>
-        </p:txBody>
-      </p:sp>
-      <p:cxnSp>
-        <p:nvCxnSpPr>
-          <p:cNvPr id="130" name="Straight Connector 129"/>
-          <p:cNvCxnSpPr/>
-          <p:nvPr/>
-        </p:nvCxnSpPr>
-        <p:spPr>
-          <a:xfrm>
-            <a:off x="2340701" y="4449720"/>
-            <a:ext cx="703247" cy="700053"/>
-          </a:xfrm>
-          <a:prstGeom prst="line">
-            <a:avLst/>
-          </a:prstGeom>
-          <a:ln>
-            <a:solidFill>
-              <a:schemeClr val="tx1"/>
-            </a:solidFill>
-            <a:prstDash val="dashDot"/>
-          </a:ln>
-        </p:spPr>
-        <p:style>
-          <a:lnRef idx="1">
-            <a:schemeClr val="accent1"/>
-          </a:lnRef>
-          <a:fillRef idx="0">
-            <a:schemeClr val="accent1"/>
-          </a:fillRef>
-          <a:effectRef idx="0">
-            <a:schemeClr val="accent1"/>
-          </a:effectRef>
-          <a:fontRef idx="minor">
-            <a:schemeClr val="tx1"/>
-          </a:fontRef>
-        </p:style>
-      </p:cxnSp>
-      <p:sp>
-        <p:nvSpPr>
-          <p:cNvPr id="131" name="Rectangle 130"/>
-          <p:cNvSpPr/>
-          <p:nvPr/>
-        </p:nvSpPr>
-        <p:spPr>
-          <a:xfrm>
-            <a:off x="2855296" y="4376221"/>
-            <a:ext cx="276038" cy="307905"/>
-          </a:xfrm>
-          <a:prstGeom prst="rect">
-            <a:avLst/>
-          </a:prstGeom>
-        </p:spPr>
-        <p:txBody>
-          <a:bodyPr wrap="none">
-            <a:spAutoFit/>
-          </a:bodyPr>
-          <a:lstStyle/>
-          <a:p>
-            <a:r>
-              <a:rPr lang="en-US" sz="1401" dirty="0"/>
-              <a:t>2</a:t>
-            </a:r>
-            <a:endParaRPr lang="en-US" dirty="0"/>
-          </a:p>
-        </p:txBody>
-      </p:sp>
-      <p:sp>
-        <p:nvSpPr>
-          <p:cNvPr id="137" name="TextBox 136"/>
-          <p:cNvSpPr txBox="1"/>
-          <p:nvPr/>
-        </p:nvSpPr>
-        <p:spPr>
-          <a:xfrm>
-            <a:off x="4672057" y="5117708"/>
-            <a:ext cx="338554" cy="461793"/>
-          </a:xfrm>
-          <a:prstGeom prst="rect">
-            <a:avLst/>
-          </a:prstGeom>
-          <a:noFill/>
-        </p:spPr>
-        <p:txBody>
-          <a:bodyPr wrap="none" rtlCol="0">
-            <a:spAutoFit/>
-          </a:bodyPr>
-          <a:lstStyle/>
-          <a:p>
-            <a:r>
-              <a:rPr lang="en-US" sz="2401" dirty="0"/>
-              <a:t>+</a:t>
-            </a:r>
-            <a:endParaRPr lang="en-US" sz="1600" dirty="0"/>
-          </a:p>
-        </p:txBody>
-      </p:sp>
-      <p:cxnSp>
-        <p:nvCxnSpPr>
-          <p:cNvPr id="138" name="Straight Connector 137"/>
-          <p:cNvCxnSpPr/>
-          <p:nvPr/>
-        </p:nvCxnSpPr>
-        <p:spPr>
-          <a:xfrm>
-            <a:off x="4326152" y="5129666"/>
-            <a:ext cx="703247" cy="700053"/>
-          </a:xfrm>
-          <a:prstGeom prst="line">
-            <a:avLst/>
-          </a:prstGeom>
-          <a:ln>
-            <a:solidFill>
-              <a:schemeClr val="tx1"/>
-            </a:solidFill>
-            <a:prstDash val="dashDot"/>
-          </a:ln>
-        </p:spPr>
-        <p:style>
-          <a:lnRef idx="1">
-            <a:schemeClr val="accent1"/>
-          </a:lnRef>
-          <a:fillRef idx="0">
-            <a:schemeClr val="accent1"/>
-          </a:fillRef>
-          <a:effectRef idx="0">
-            <a:schemeClr val="accent1"/>
-          </a:effectRef>
-          <a:fontRef idx="minor">
-            <a:schemeClr val="tx1"/>
-          </a:fontRef>
-        </p:style>
-      </p:cxnSp>
-      <p:sp>
-        <p:nvSpPr>
-          <p:cNvPr id="139" name="Rectangle 138"/>
-          <p:cNvSpPr/>
-          <p:nvPr/>
-        </p:nvSpPr>
-        <p:spPr>
-          <a:xfrm>
-            <a:off x="4840745" y="5070342"/>
-            <a:ext cx="276038" cy="307905"/>
-          </a:xfrm>
-          <a:prstGeom prst="rect">
-            <a:avLst/>
-          </a:prstGeom>
-        </p:spPr>
-        <p:txBody>
-          <a:bodyPr wrap="none">
-            <a:spAutoFit/>
-          </a:bodyPr>
-          <a:lstStyle/>
-          <a:p>
-            <a:r>
-              <a:rPr lang="en-US" sz="1401" dirty="0"/>
-              <a:t>3</a:t>
-            </a:r>
-            <a:endParaRPr lang="en-US" dirty="0"/>
-          </a:p>
-        </p:txBody>
-      </p:sp>
-      <p:cxnSp>
-        <p:nvCxnSpPr>
-          <p:cNvPr id="142" name="Straight Connector 141"/>
-          <p:cNvCxnSpPr/>
-          <p:nvPr/>
-        </p:nvCxnSpPr>
-        <p:spPr>
-          <a:xfrm>
-            <a:off x="5027773" y="4433013"/>
-            <a:ext cx="703247" cy="700053"/>
-          </a:xfrm>
-          <a:prstGeom prst="line">
-            <a:avLst/>
-          </a:prstGeom>
-          <a:ln>
-            <a:solidFill>
-              <a:schemeClr val="tx1"/>
-            </a:solidFill>
-            <a:prstDash val="dashDot"/>
-          </a:ln>
-        </p:spPr>
-        <p:style>
-          <a:lnRef idx="1">
-            <a:schemeClr val="accent1"/>
-          </a:lnRef>
-          <a:fillRef idx="0">
-            <a:schemeClr val="accent1"/>
-          </a:fillRef>
-          <a:effectRef idx="0">
-            <a:schemeClr val="accent1"/>
-          </a:effectRef>
-          <a:fontRef idx="minor">
-            <a:schemeClr val="tx1"/>
-          </a:fontRef>
-        </p:style>
-      </p:cxnSp>
-      <p:sp>
-        <p:nvSpPr>
-          <p:cNvPr id="143" name="Rectangle 142"/>
-          <p:cNvSpPr/>
-          <p:nvPr/>
-        </p:nvSpPr>
-        <p:spPr>
-          <a:xfrm>
-            <a:off x="5521104" y="4366602"/>
-            <a:ext cx="276038" cy="307905"/>
-          </a:xfrm>
-          <a:prstGeom prst="rect">
-            <a:avLst/>
-          </a:prstGeom>
-        </p:spPr>
-        <p:txBody>
-          <a:bodyPr wrap="none">
-            <a:spAutoFit/>
-          </a:bodyPr>
-          <a:lstStyle/>
-          <a:p>
-            <a:r>
-              <a:rPr lang="en-US" sz="1401" dirty="0"/>
-              <a:t>2</a:t>
-            </a:r>
-            <a:endParaRPr lang="en-US" dirty="0"/>
-          </a:p>
-        </p:txBody>
-      </p:sp>
-      <p:sp>
-        <p:nvSpPr>
-          <p:cNvPr id="146" name="Rectangle 145"/>
-          <p:cNvSpPr/>
-          <p:nvPr/>
-        </p:nvSpPr>
-        <p:spPr>
-          <a:xfrm>
-            <a:off x="5004868" y="5078299"/>
-            <a:ext cx="415498" cy="307905"/>
-          </a:xfrm>
-          <a:prstGeom prst="rect">
-            <a:avLst/>
-          </a:prstGeom>
-        </p:spPr>
-        <p:txBody>
-          <a:bodyPr wrap="none">
-            <a:spAutoFit/>
-          </a:bodyPr>
-          <a:lstStyle/>
-          <a:p>
-            <a:r>
-              <a:rPr lang="en-US" sz="1401" dirty="0" smtClean="0"/>
-              <a:t>1:</a:t>
-            </a:r>
-            <a:r>
-              <a:rPr lang="en-US" sz="1400" dirty="0" smtClean="0"/>
-              <a:t>3</a:t>
-            </a:r>
-            <a:endParaRPr lang="en-US" dirty="0"/>
-          </a:p>
-        </p:txBody>
-      </p:sp>
-      <p:sp>
-        <p:nvSpPr>
-          <p:cNvPr id="153" name="Rectangle 152"/>
-          <p:cNvSpPr/>
-          <p:nvPr/>
-        </p:nvSpPr>
-        <p:spPr>
-          <a:xfrm>
-            <a:off x="5018491" y="5478619"/>
-            <a:ext cx="415498" cy="307905"/>
-          </a:xfrm>
-          <a:prstGeom prst="rect">
-            <a:avLst/>
-          </a:prstGeom>
-        </p:spPr>
-        <p:txBody>
-          <a:bodyPr wrap="none">
-            <a:spAutoFit/>
-          </a:bodyPr>
-          <a:lstStyle/>
-          <a:p>
-            <a:r>
-              <a:rPr lang="en-US" sz="1401" dirty="0"/>
-              <a:t>2:4</a:t>
-            </a:r>
-            <a:endParaRPr lang="en-US" dirty="0"/>
-          </a:p>
-        </p:txBody>
-      </p:sp>
-      <p:cxnSp>
-        <p:nvCxnSpPr>
-          <p:cNvPr id="156" name="Straight Connector 155"/>
-          <p:cNvCxnSpPr/>
-          <p:nvPr/>
-        </p:nvCxnSpPr>
-        <p:spPr>
-          <a:xfrm>
-            <a:off x="5347907" y="5132763"/>
-            <a:ext cx="0" cy="698166"/>
-          </a:xfrm>
-          <a:prstGeom prst="line">
-            <a:avLst/>
-          </a:prstGeom>
-          <a:ln>
-            <a:solidFill>
-              <a:schemeClr val="tx1"/>
-            </a:solidFill>
-          </a:ln>
-        </p:spPr>
-        <p:style>
-          <a:lnRef idx="1">
-            <a:schemeClr val="accent1"/>
-          </a:lnRef>
-          <a:fillRef idx="0">
-            <a:schemeClr val="accent1"/>
-          </a:fillRef>
-          <a:effectRef idx="0">
-            <a:schemeClr val="accent1"/>
-          </a:effectRef>
-          <a:fontRef idx="minor">
-            <a:schemeClr val="tx1"/>
-          </a:fontRef>
-        </p:style>
-      </p:cxnSp>
-      <p:sp>
-        <p:nvSpPr>
-          <p:cNvPr id="163" name="Rectangle 162"/>
-          <p:cNvSpPr/>
-          <p:nvPr/>
-        </p:nvSpPr>
-        <p:spPr>
-          <a:xfrm>
-            <a:off x="7447175" y="2076433"/>
-            <a:ext cx="276038" cy="307905"/>
-          </a:xfrm>
-          <a:prstGeom prst="rect">
-            <a:avLst/>
-          </a:prstGeom>
-        </p:spPr>
-        <p:txBody>
-          <a:bodyPr wrap="none">
-            <a:spAutoFit/>
-          </a:bodyPr>
-          <a:lstStyle/>
-          <a:p>
-            <a:r>
-              <a:rPr lang="en-US" sz="1401" dirty="0"/>
-              <a:t>5</a:t>
-            </a:r>
-            <a:endParaRPr lang="en-US" dirty="0"/>
-          </a:p>
-        </p:txBody>
-      </p:sp>
-      <p:sp>
-        <p:nvSpPr>
-          <p:cNvPr id="164" name="Rectangle 163"/>
-          <p:cNvSpPr/>
-          <p:nvPr/>
-        </p:nvSpPr>
-        <p:spPr>
-          <a:xfrm>
-            <a:off x="8177304" y="2089748"/>
-            <a:ext cx="276038" cy="307905"/>
-          </a:xfrm>
-          <a:prstGeom prst="rect">
-            <a:avLst/>
-          </a:prstGeom>
-        </p:spPr>
-        <p:txBody>
-          <a:bodyPr wrap="none">
-            <a:spAutoFit/>
-          </a:bodyPr>
-          <a:lstStyle/>
-          <a:p>
-            <a:r>
-              <a:rPr lang="en-US" sz="1401"/>
-              <a:t>5</a:t>
-            </a:r>
-            <a:endParaRPr lang="en-US" dirty="0"/>
-          </a:p>
-        </p:txBody>
-      </p:sp>
-      <p:sp>
-        <p:nvSpPr>
-          <p:cNvPr id="165" name="TextBox 164"/>
-          <p:cNvSpPr txBox="1"/>
-          <p:nvPr/>
-        </p:nvSpPr>
-        <p:spPr>
-          <a:xfrm>
-            <a:off x="9510920" y="4274888"/>
-            <a:ext cx="1080745" cy="400110"/>
-          </a:xfrm>
-          <a:prstGeom prst="rect">
-            <a:avLst/>
-          </a:prstGeom>
-          <a:noFill/>
-        </p:spPr>
-        <p:txBody>
-          <a:bodyPr wrap="none" rtlCol="0">
-            <a:spAutoFit/>
-          </a:bodyPr>
-          <a:lstStyle/>
-          <a:p>
-            <a:r>
-              <a:rPr lang="en-US" sz="2000" dirty="0"/>
-              <a:t>+ {p</a:t>
-            </a:r>
-            <a:r>
-              <a:rPr lang="en-US" sz="2000" baseline="-25000" dirty="0"/>
-              <a:t>i</a:t>
-            </a:r>
-            <a:r>
-              <a:rPr lang="en-US" sz="2000" dirty="0"/>
-              <a:t> * X}</a:t>
-            </a:r>
-            <a:endParaRPr lang="en-US" sz="1401" dirty="0"/>
-          </a:p>
-        </p:txBody>
-      </p:sp>
-      <p:sp>
-        <p:nvSpPr>
-          <p:cNvPr id="166" name="TextBox 165"/>
-          <p:cNvSpPr txBox="1"/>
-          <p:nvPr/>
-        </p:nvSpPr>
-        <p:spPr>
-          <a:xfrm>
-            <a:off x="9523289" y="4612652"/>
-            <a:ext cx="1048685" cy="584904"/>
-          </a:xfrm>
-          <a:prstGeom prst="rect">
-            <a:avLst/>
-          </a:prstGeom>
-          <a:noFill/>
-        </p:spPr>
-        <p:txBody>
-          <a:bodyPr wrap="none" rtlCol="0">
-            <a:spAutoFit/>
-          </a:bodyPr>
-          <a:lstStyle/>
-          <a:p>
-            <a:r>
-              <a:rPr lang="en-US" sz="3201" dirty="0"/>
-              <a:t>-</a:t>
-            </a:r>
-            <a:r>
-              <a:rPr lang="en-US" sz="2000" dirty="0"/>
-              <a:t> {p</a:t>
-            </a:r>
-            <a:r>
-              <a:rPr lang="en-US" sz="2000" baseline="-25000" dirty="0"/>
-              <a:t>i</a:t>
-            </a:r>
-            <a:r>
-              <a:rPr lang="en-US" sz="2000" dirty="0"/>
-              <a:t> / X}</a:t>
-            </a:r>
-            <a:endParaRPr lang="en-US" sz="1401" dirty="0"/>
-          </a:p>
-        </p:txBody>
-      </p:sp>
-      <p:sp>
-        <p:nvSpPr>
-          <p:cNvPr id="169" name="TextBox 168"/>
-          <p:cNvSpPr txBox="1"/>
-          <p:nvPr/>
-        </p:nvSpPr>
-        <p:spPr>
-          <a:xfrm>
-            <a:off x="10761264" y="4510226"/>
-            <a:ext cx="1959896" cy="707886"/>
-          </a:xfrm>
-          <a:prstGeom prst="rect">
-            <a:avLst/>
-          </a:prstGeom>
-          <a:noFill/>
-        </p:spPr>
-        <p:txBody>
-          <a:bodyPr wrap="none" rtlCol="0">
-            <a:spAutoFit/>
-          </a:bodyPr>
-          <a:lstStyle/>
-          <a:p>
-            <a:r>
-              <a:rPr lang="en-US" sz="2000" dirty="0"/>
-              <a:t>X </a:t>
-            </a:r>
-            <a:r>
-              <a:rPr lang="en-US" sz="2000"/>
-              <a:t>= environment </a:t>
-            </a:r>
-          </a:p>
-          <a:p>
-            <a:pPr algn="ctr"/>
-            <a:r>
-              <a:rPr lang="en-US" sz="2000" dirty="0"/>
-              <a:t>factor</a:t>
-            </a:r>
-            <a:endParaRPr lang="en-US" sz="1401" dirty="0"/>
-          </a:p>
-        </p:txBody>
-      </p:sp>
-      <p:sp>
-        <p:nvSpPr>
-          <p:cNvPr id="170" name="TextBox 169"/>
-          <p:cNvSpPr txBox="1"/>
-          <p:nvPr/>
-        </p:nvSpPr>
-        <p:spPr>
-          <a:xfrm>
-            <a:off x="7958720" y="2170885"/>
-            <a:ext cx="494623" cy="461793"/>
-          </a:xfrm>
-          <a:prstGeom prst="rect">
-            <a:avLst/>
-          </a:prstGeom>
-          <a:noFill/>
-        </p:spPr>
-        <p:txBody>
-          <a:bodyPr wrap="none" rtlCol="0">
-            <a:spAutoFit/>
-          </a:bodyPr>
-          <a:lstStyle/>
-          <a:p>
-            <a:r>
-              <a:rPr lang="en-US" sz="2401" dirty="0"/>
-              <a:t>++</a:t>
-            </a:r>
-            <a:endParaRPr lang="en-US" sz="1600" dirty="0"/>
-          </a:p>
-        </p:txBody>
-      </p:sp>
-      <p:sp>
-        <p:nvSpPr>
-          <p:cNvPr id="171" name="TextBox 170"/>
-          <p:cNvSpPr txBox="1"/>
-          <p:nvPr/>
-        </p:nvSpPr>
-        <p:spPr>
-          <a:xfrm>
-            <a:off x="7296324" y="2162479"/>
-            <a:ext cx="494623" cy="461793"/>
-          </a:xfrm>
-          <a:prstGeom prst="rect">
-            <a:avLst/>
-          </a:prstGeom>
-          <a:noFill/>
-        </p:spPr>
-        <p:txBody>
-          <a:bodyPr wrap="none" rtlCol="0">
-            <a:spAutoFit/>
-          </a:bodyPr>
-          <a:lstStyle/>
-          <a:p>
-            <a:r>
-              <a:rPr lang="en-US" sz="2401" dirty="0"/>
-              <a:t>++</a:t>
-            </a:r>
-            <a:endParaRPr lang="en-US" sz="1600" dirty="0"/>
-          </a:p>
-        </p:txBody>
-      </p:sp>
-      <p:sp>
-        <p:nvSpPr>
-          <p:cNvPr id="172" name="TextBox 171"/>
-          <p:cNvSpPr txBox="1"/>
-          <p:nvPr/>
-        </p:nvSpPr>
-        <p:spPr>
-          <a:xfrm>
-            <a:off x="9940725" y="1455004"/>
-            <a:ext cx="1223605" cy="400110"/>
-          </a:xfrm>
-          <a:prstGeom prst="rect">
-            <a:avLst/>
-          </a:prstGeom>
-          <a:noFill/>
-        </p:spPr>
-        <p:txBody>
-          <a:bodyPr wrap="none" rtlCol="0">
-            <a:spAutoFit/>
-          </a:bodyPr>
-          <a:lstStyle/>
-          <a:p>
-            <a:r>
-              <a:rPr lang="en-US" sz="2000" dirty="0"/>
-              <a:t>++ {p</a:t>
-            </a:r>
-            <a:r>
-              <a:rPr lang="en-US" sz="2000" baseline="-25000" dirty="0"/>
-              <a:t>i</a:t>
-            </a:r>
-            <a:r>
-              <a:rPr lang="en-US" sz="2000" dirty="0"/>
-              <a:t> * L</a:t>
-            </a:r>
-            <a:r>
-              <a:rPr lang="en-US" sz="2000" baseline="-25000" dirty="0"/>
-              <a:t>i</a:t>
-            </a:r>
-            <a:r>
-              <a:rPr lang="en-US" sz="2000" dirty="0"/>
-              <a:t>}</a:t>
-            </a:r>
-            <a:endParaRPr lang="en-US" sz="1401" dirty="0"/>
-          </a:p>
-        </p:txBody>
-      </p:sp>
-      <p:sp>
-        <p:nvSpPr>
-          <p:cNvPr id="173" name="TextBox 172"/>
-          <p:cNvSpPr txBox="1"/>
-          <p:nvPr/>
-        </p:nvSpPr>
-        <p:spPr>
-          <a:xfrm>
-            <a:off x="9783550" y="1941232"/>
-            <a:ext cx="2131994" cy="400110"/>
-          </a:xfrm>
-          <a:prstGeom prst="rect">
-            <a:avLst/>
-          </a:prstGeom>
-          <a:noFill/>
-        </p:spPr>
-        <p:txBody>
-          <a:bodyPr wrap="none" rtlCol="0">
-            <a:spAutoFit/>
-          </a:bodyPr>
-          <a:lstStyle/>
-          <a:p>
-            <a:r>
-              <a:rPr lang="en-US" sz="2000" dirty="0"/>
-              <a:t>L</a:t>
-            </a:r>
-            <a:r>
-              <a:rPr lang="en-US" sz="2000" baseline="-25000" dirty="0" smtClean="0"/>
-              <a:t>i</a:t>
-            </a:r>
-            <a:r>
-              <a:rPr lang="en-US" sz="2000" dirty="0"/>
-              <a:t> = Location factor</a:t>
-            </a:r>
-            <a:endParaRPr lang="en-US" sz="1401" dirty="0"/>
-          </a:p>
-        </p:txBody>
-      </p:sp>
-      <p:sp>
-        <p:nvSpPr>
-          <p:cNvPr id="174" name="TextBox 173"/>
-          <p:cNvSpPr txBox="1"/>
-          <p:nvPr/>
-        </p:nvSpPr>
-        <p:spPr>
-          <a:xfrm>
-            <a:off x="3556262" y="69158"/>
-            <a:ext cx="3179204" cy="584904"/>
-          </a:xfrm>
-          <a:prstGeom prst="rect">
-            <a:avLst/>
-          </a:prstGeom>
-          <a:noFill/>
-        </p:spPr>
-        <p:txBody>
-          <a:bodyPr wrap="none" rtlCol="0">
-            <a:spAutoFit/>
-          </a:bodyPr>
-          <a:lstStyle/>
-          <a:p>
-            <a:r>
-              <a:rPr lang="en-US" sz="3201" b="1"/>
-              <a:t>Parameters space</a:t>
-            </a:r>
-            <a:endParaRPr lang="en-US" sz="3201" b="1" dirty="0"/>
-          </a:p>
-        </p:txBody>
-      </p:sp>
-      <p:sp>
-        <p:nvSpPr>
-          <p:cNvPr id="178" name="Rectangle 177"/>
-          <p:cNvSpPr/>
-          <p:nvPr/>
-        </p:nvSpPr>
-        <p:spPr>
-          <a:xfrm>
-            <a:off x="7068371" y="4427991"/>
-            <a:ext cx="1402938" cy="1402938"/>
+            <a:off x="7583650" y="4368630"/>
+            <a:ext cx="4714149" cy="739048"/>
           </a:xfrm>
           <a:prstGeom prst="rect">
             <a:avLst/>
@@ -6174,307 +5550,6 @@
             </a:solidFill>
           </a:ln>
         </p:spPr>
-        <p:style>
-          <a:lnRef idx="2">
-            <a:schemeClr val="accent6"/>
-          </a:lnRef>
-          <a:fillRef idx="1">
-            <a:schemeClr val="lt1"/>
-          </a:fillRef>
-          <a:effectRef idx="0">
-            <a:schemeClr val="accent6"/>
-          </a:effectRef>
-          <a:fontRef idx="minor">
-            <a:schemeClr val="dk1"/>
-          </a:fontRef>
-        </p:style>
-        <p:txBody>
-          <a:bodyPr rot="0" spcFirstLastPara="0" vertOverflow="overflow" horzOverflow="overflow" vert="horz" wrap="square" lIns="91440" tIns="45720" rIns="91440" bIns="45720" numCol="1" spcCol="0" rtlCol="0" fromWordArt="0" anchor="ctr" anchorCtr="0" forceAA="0" compatLnSpc="1">
-            <a:prstTxWarp prst="textNoShape">
-              <a:avLst/>
-            </a:prstTxWarp>
-            <a:noAutofit/>
-          </a:bodyPr>
-          <a:lstStyle/>
-          <a:p>
-            <a:pPr algn="ctr"/>
-            <a:endParaRPr lang="en-US" b="1"/>
-          </a:p>
-        </p:txBody>
-      </p:sp>
-      <p:sp>
-        <p:nvSpPr>
-          <p:cNvPr id="182" name="TextBox 181"/>
-          <p:cNvSpPr txBox="1"/>
-          <p:nvPr/>
-        </p:nvSpPr>
-        <p:spPr>
-          <a:xfrm>
-            <a:off x="6571504" y="4018139"/>
-            <a:ext cx="2511393" cy="338554"/>
-          </a:xfrm>
-          <a:prstGeom prst="rect">
-            <a:avLst/>
-          </a:prstGeom>
-          <a:noFill/>
-        </p:spPr>
-        <p:txBody>
-          <a:bodyPr wrap="none" rtlCol="0">
-            <a:spAutoFit/>
-          </a:bodyPr>
-          <a:lstStyle/>
-          <a:p>
-            <a:r>
-              <a:rPr lang="en-US" sz="1600" i="1" dirty="0"/>
-              <a:t>Probability of Takeover (</a:t>
-            </a:r>
-            <a:r>
-              <a:rPr lang="en-US" sz="1600" i="1" dirty="0" err="1"/>
-              <a:t>ind</a:t>
-            </a:r>
-            <a:r>
-              <a:rPr lang="en-US" sz="1600" i="1" dirty="0"/>
-              <a:t>)</a:t>
-            </a:r>
-          </a:p>
-        </p:txBody>
-      </p:sp>
-      <p:sp>
-        <p:nvSpPr>
-          <p:cNvPr id="183" name="TextBox 182"/>
-          <p:cNvSpPr txBox="1"/>
-          <p:nvPr/>
-        </p:nvSpPr>
-        <p:spPr>
-          <a:xfrm>
-            <a:off x="6701486" y="4569431"/>
-            <a:ext cx="290464" cy="369332"/>
-          </a:xfrm>
-          <a:prstGeom prst="rect">
-            <a:avLst/>
-          </a:prstGeom>
-          <a:noFill/>
-        </p:spPr>
-        <p:txBody>
-          <a:bodyPr wrap="none" rtlCol="0">
-            <a:spAutoFit/>
-          </a:bodyPr>
-          <a:lstStyle/>
-          <a:p>
-            <a:r>
-              <a:rPr lang="en-US"/>
-              <a:t>F</a:t>
-            </a:r>
-            <a:endParaRPr lang="en-US" dirty="0"/>
-          </a:p>
-        </p:txBody>
-      </p:sp>
-      <p:sp>
-        <p:nvSpPr>
-          <p:cNvPr id="184" name="TextBox 183"/>
-          <p:cNvSpPr txBox="1"/>
-          <p:nvPr/>
-        </p:nvSpPr>
-        <p:spPr>
-          <a:xfrm>
-            <a:off x="7272222" y="5922176"/>
-            <a:ext cx="290464" cy="369332"/>
-          </a:xfrm>
-          <a:prstGeom prst="rect">
-            <a:avLst/>
-          </a:prstGeom>
-          <a:noFill/>
-        </p:spPr>
-        <p:txBody>
-          <a:bodyPr wrap="none" rtlCol="0">
-            <a:spAutoFit/>
-          </a:bodyPr>
-          <a:lstStyle/>
-          <a:p>
-            <a:r>
-              <a:rPr lang="en-US"/>
-              <a:t>F</a:t>
-            </a:r>
-            <a:endParaRPr lang="en-US" dirty="0"/>
-          </a:p>
-        </p:txBody>
-      </p:sp>
-      <p:sp>
-        <p:nvSpPr>
-          <p:cNvPr id="185" name="TextBox 184"/>
-          <p:cNvSpPr txBox="1"/>
-          <p:nvPr/>
-        </p:nvSpPr>
-        <p:spPr>
-          <a:xfrm>
-            <a:off x="6676293" y="5356267"/>
-            <a:ext cx="327334" cy="369332"/>
-          </a:xfrm>
-          <a:prstGeom prst="rect">
-            <a:avLst/>
-          </a:prstGeom>
-          <a:noFill/>
-        </p:spPr>
-        <p:txBody>
-          <a:bodyPr wrap="none" rtlCol="0">
-            <a:spAutoFit/>
-          </a:bodyPr>
-          <a:lstStyle/>
-          <a:p>
-            <a:r>
-              <a:rPr lang="en-US"/>
-              <a:t>D</a:t>
-            </a:r>
-            <a:endParaRPr lang="en-US" dirty="0"/>
-          </a:p>
-        </p:txBody>
-      </p:sp>
-      <p:sp>
-        <p:nvSpPr>
-          <p:cNvPr id="186" name="TextBox 185"/>
-          <p:cNvSpPr txBox="1"/>
-          <p:nvPr/>
-        </p:nvSpPr>
-        <p:spPr>
-          <a:xfrm>
-            <a:off x="8007732" y="5914545"/>
-            <a:ext cx="327334" cy="369332"/>
-          </a:xfrm>
-          <a:prstGeom prst="rect">
-            <a:avLst/>
-          </a:prstGeom>
-          <a:noFill/>
-        </p:spPr>
-        <p:txBody>
-          <a:bodyPr wrap="none" rtlCol="0">
-            <a:spAutoFit/>
-          </a:bodyPr>
-          <a:lstStyle/>
-          <a:p>
-            <a:r>
-              <a:rPr lang="en-US"/>
-              <a:t>D</a:t>
-            </a:r>
-            <a:endParaRPr lang="en-US" dirty="0"/>
-          </a:p>
-        </p:txBody>
-      </p:sp>
-      <p:sp>
-        <p:nvSpPr>
-          <p:cNvPr id="188" name="TextBox 187"/>
-          <p:cNvSpPr txBox="1"/>
-          <p:nvPr/>
-        </p:nvSpPr>
-        <p:spPr>
-          <a:xfrm>
-            <a:off x="7063292" y="6261340"/>
-            <a:ext cx="1498167" cy="369332"/>
-          </a:xfrm>
-          <a:prstGeom prst="rect">
-            <a:avLst/>
-          </a:prstGeom>
-          <a:noFill/>
-        </p:spPr>
-        <p:txBody>
-          <a:bodyPr wrap="none" rtlCol="0">
-            <a:spAutoFit/>
-          </a:bodyPr>
-          <a:lstStyle/>
-          <a:p>
-            <a:r>
-              <a:rPr lang="en-US" b="1" dirty="0"/>
-              <a:t>Target society</a:t>
-            </a:r>
-          </a:p>
-        </p:txBody>
-      </p:sp>
-      <p:cxnSp>
-        <p:nvCxnSpPr>
-          <p:cNvPr id="206" name="Straight Arrow Connector 205"/>
-          <p:cNvCxnSpPr/>
-          <p:nvPr/>
-        </p:nvCxnSpPr>
-        <p:spPr>
-          <a:xfrm flipV="1">
-            <a:off x="5937160" y="5140098"/>
-            <a:ext cx="648387" cy="7425"/>
-          </a:xfrm>
-          <a:prstGeom prst="straightConnector1">
-            <a:avLst/>
-          </a:prstGeom>
-          <a:ln>
-            <a:solidFill>
-              <a:schemeClr val="tx1"/>
-            </a:solidFill>
-            <a:headEnd type="triangle"/>
-            <a:tailEnd type="triangle"/>
-          </a:ln>
-        </p:spPr>
-        <p:style>
-          <a:lnRef idx="1">
-            <a:schemeClr val="accent1"/>
-          </a:lnRef>
-          <a:fillRef idx="0">
-            <a:schemeClr val="accent1"/>
-          </a:fillRef>
-          <a:effectRef idx="0">
-            <a:schemeClr val="accent1"/>
-          </a:effectRef>
-          <a:fontRef idx="minor">
-            <a:schemeClr val="tx1"/>
-          </a:fontRef>
-        </p:style>
-      </p:cxnSp>
-      <p:sp>
-        <p:nvSpPr>
-          <p:cNvPr id="208" name="TextBox 207"/>
-          <p:cNvSpPr txBox="1"/>
-          <p:nvPr/>
-        </p:nvSpPr>
-        <p:spPr>
-          <a:xfrm>
-            <a:off x="5869071" y="4731151"/>
-            <a:ext cx="795411" cy="338554"/>
-          </a:xfrm>
-          <a:prstGeom prst="rect">
-            <a:avLst/>
-          </a:prstGeom>
-          <a:noFill/>
-        </p:spPr>
-        <p:txBody>
-          <a:bodyPr wrap="none" rtlCol="0">
-            <a:spAutoFit/>
-          </a:bodyPr>
-          <a:lstStyle/>
-          <a:p>
-            <a:r>
-              <a:rPr lang="en-US" sz="1600" dirty="0" err="1"/>
-              <a:t>rnd</a:t>
-            </a:r>
-            <a:r>
-              <a:rPr lang="en-US" sz="1600" dirty="0"/>
-              <a:t> &lt; H</a:t>
-            </a:r>
-            <a:endParaRPr lang="en-US" sz="1100" dirty="0"/>
-          </a:p>
-        </p:txBody>
-      </p:sp>
-      <p:sp>
-        <p:nvSpPr>
-          <p:cNvPr id="209" name="TextBox 208"/>
-          <p:cNvSpPr txBox="1"/>
-          <p:nvPr/>
-        </p:nvSpPr>
-        <p:spPr>
-          <a:xfrm>
-            <a:off x="9530798" y="2694987"/>
-            <a:ext cx="2760512" cy="1138773"/>
-          </a:xfrm>
-          <a:prstGeom prst="rect">
-            <a:avLst/>
-          </a:prstGeom>
-          <a:noFill/>
-        </p:spPr>
         <p:txBody>
           <a:bodyPr wrap="square" rtlCol="0">
             <a:spAutoFit/>
@@ -6483,52 +5558,12 @@
           <a:p>
             <a:pPr algn="just"/>
             <a:r>
-              <a:rPr lang="en-US" sz="2000" dirty="0"/>
-              <a:t>H = </a:t>
-            </a:r>
-            <a:r>
-              <a:rPr lang="en-US" sz="1600" dirty="0"/>
-              <a:t>transition factor from Takeover dependent to Takeover independent of the trait</a:t>
-            </a:r>
-            <a:endParaRPr lang="en-US" sz="2000" dirty="0"/>
-          </a:p>
-        </p:txBody>
-      </p:sp>
-      <p:cxnSp>
-        <p:nvCxnSpPr>
-          <p:cNvPr id="109" name="Straight Connector 108"/>
-          <p:cNvCxnSpPr/>
-          <p:nvPr/>
-        </p:nvCxnSpPr>
-        <p:spPr>
-          <a:xfrm flipH="1">
-            <a:off x="5015939" y="5493491"/>
-            <a:ext cx="331968" cy="0"/>
-          </a:xfrm>
-          <a:prstGeom prst="line">
-            <a:avLst/>
-          </a:prstGeom>
-          <a:ln>
-            <a:solidFill>
-              <a:schemeClr val="tx1"/>
-            </a:solidFill>
-          </a:ln>
-        </p:spPr>
-        <p:style>
-          <a:lnRef idx="1">
-            <a:schemeClr val="accent1"/>
-          </a:lnRef>
-          <a:fillRef idx="0">
-            <a:schemeClr val="accent1"/>
-          </a:fillRef>
-          <a:effectRef idx="0">
-            <a:schemeClr val="accent1"/>
-          </a:effectRef>
-          <a:fontRef idx="minor">
-            <a:schemeClr val="tx1"/>
-          </a:fontRef>
-        </p:style>
-      </p:cxnSp>
+              <a:rPr lang="en-US" sz="1401" dirty="0" smtClean="0"/>
+              <a:t>Note1: Takeover by Domestication only happens if the target is in a suitable location for domestication. The same happens to diffusion.</a:t>
+            </a:r>
+          </a:p>
+        </p:txBody>
+      </p:sp>
     </p:spTree>
     <p:extLst>
       <p:ext uri="{BB962C8B-B14F-4D97-AF65-F5344CB8AC3E}">

--- a/Documentation/Parameters space.pptx
+++ b/Documentation/Parameters space.pptx
@@ -4,6 +4,9 @@
   <p:sldMasterIdLst>
     <p:sldMasterId id="2147483672" r:id="rId1"/>
   </p:sldMasterIdLst>
+  <p:notesMasterIdLst>
+    <p:notesMasterId r:id="rId3"/>
+  </p:notesMasterIdLst>
   <p:sldIdLst>
     <p:sldId id="256" r:id="rId2"/>
   </p:sldIdLst>
@@ -112,6 +115,356 @@
 </p:presentation>
 </file>
 
+<file path=ppt/notesMasters/notesMaster1.xml><?xml version="1.0" encoding="utf-8"?>
+<p:notesMaster xmlns:a="http://schemas.openxmlformats.org/drawingml/2006/main" xmlns:r="http://schemas.openxmlformats.org/officeDocument/2006/relationships" xmlns:p="http://schemas.openxmlformats.org/presentationml/2006/main">
+  <p:cSld>
+    <p:bg>
+      <p:bgRef idx="1001">
+        <a:schemeClr val="bg1"/>
+      </p:bgRef>
+    </p:bg>
+    <p:spTree>
+      <p:nvGrpSpPr>
+        <p:cNvPr id="1" name=""/>
+        <p:cNvGrpSpPr/>
+        <p:nvPr/>
+      </p:nvGrpSpPr>
+      <p:grpSpPr>
+        <a:xfrm>
+          <a:off x="0" y="0"/>
+          <a:ext cx="0" cy="0"/>
+          <a:chOff x="0" y="0"/>
+          <a:chExt cx="0" cy="0"/>
+        </a:xfrm>
+      </p:grpSpPr>
+      <p:sp>
+        <p:nvSpPr>
+          <p:cNvPr id="2" name="Header Placeholder 1"/>
+          <p:cNvSpPr>
+            <a:spLocks noGrp="1"/>
+          </p:cNvSpPr>
+          <p:nvPr>
+            <p:ph type="hdr" sz="quarter"/>
+          </p:nvPr>
+        </p:nvSpPr>
+        <p:spPr>
+          <a:xfrm>
+            <a:off x="0" y="0"/>
+            <a:ext cx="2971800" cy="458788"/>
+          </a:xfrm>
+          <a:prstGeom prst="rect">
+            <a:avLst/>
+          </a:prstGeom>
+        </p:spPr>
+        <p:txBody>
+          <a:bodyPr vert="horz" lIns="91440" tIns="45720" rIns="91440" bIns="45720" rtlCol="0"/>
+          <a:lstStyle>
+            <a:lvl1pPr algn="l">
+              <a:defRPr sz="1200"/>
+            </a:lvl1pPr>
+          </a:lstStyle>
+          <a:p>
+            <a:endParaRPr lang="en-US"/>
+          </a:p>
+        </p:txBody>
+      </p:sp>
+      <p:sp>
+        <p:nvSpPr>
+          <p:cNvPr id="3" name="Date Placeholder 2"/>
+          <p:cNvSpPr>
+            <a:spLocks noGrp="1"/>
+          </p:cNvSpPr>
+          <p:nvPr>
+            <p:ph type="dt" idx="1"/>
+          </p:nvPr>
+        </p:nvSpPr>
+        <p:spPr>
+          <a:xfrm>
+            <a:off x="3884613" y="0"/>
+            <a:ext cx="2971800" cy="458788"/>
+          </a:xfrm>
+          <a:prstGeom prst="rect">
+            <a:avLst/>
+          </a:prstGeom>
+        </p:spPr>
+        <p:txBody>
+          <a:bodyPr vert="horz" lIns="91440" tIns="45720" rIns="91440" bIns="45720" rtlCol="0"/>
+          <a:lstStyle>
+            <a:lvl1pPr algn="r">
+              <a:defRPr sz="1200"/>
+            </a:lvl1pPr>
+          </a:lstStyle>
+          <a:p>
+            <a:fld id="{B14F645D-7013-014A-8DDE-81BD48D47284}" type="datetimeFigureOut">
+              <a:rPr lang="en-US" smtClean="0"/>
+              <a:t>2/2/17</a:t>
+            </a:fld>
+            <a:endParaRPr lang="en-US"/>
+          </a:p>
+        </p:txBody>
+      </p:sp>
+      <p:sp>
+        <p:nvSpPr>
+          <p:cNvPr id="4" name="Slide Image Placeholder 3"/>
+          <p:cNvSpPr>
+            <a:spLocks noGrp="1" noRot="1" noChangeAspect="1"/>
+          </p:cNvSpPr>
+          <p:nvPr>
+            <p:ph type="sldImg" idx="2"/>
+          </p:nvPr>
+        </p:nvSpPr>
+        <p:spPr>
+          <a:xfrm>
+            <a:off x="542925" y="1143000"/>
+            <a:ext cx="5772150" cy="3086100"/>
+          </a:xfrm>
+          <a:prstGeom prst="rect">
+            <a:avLst/>
+          </a:prstGeom>
+          <a:noFill/>
+          <a:ln w="12700">
+            <a:solidFill>
+              <a:prstClr val="black"/>
+            </a:solidFill>
+          </a:ln>
+        </p:spPr>
+        <p:txBody>
+          <a:bodyPr vert="horz" lIns="91440" tIns="45720" rIns="91440" bIns="45720" rtlCol="0" anchor="ctr"/>
+          <a:lstStyle/>
+          <a:p>
+            <a:endParaRPr lang="en-US"/>
+          </a:p>
+        </p:txBody>
+      </p:sp>
+      <p:sp>
+        <p:nvSpPr>
+          <p:cNvPr id="5" name="Notes Placeholder 4"/>
+          <p:cNvSpPr>
+            <a:spLocks noGrp="1"/>
+          </p:cNvSpPr>
+          <p:nvPr>
+            <p:ph type="body" sz="quarter" idx="3"/>
+          </p:nvPr>
+        </p:nvSpPr>
+        <p:spPr>
+          <a:xfrm>
+            <a:off x="685800" y="4400550"/>
+            <a:ext cx="5486400" cy="3600450"/>
+          </a:xfrm>
+          <a:prstGeom prst="rect">
+            <a:avLst/>
+          </a:prstGeom>
+        </p:spPr>
+        <p:txBody>
+          <a:bodyPr vert="horz" lIns="91440" tIns="45720" rIns="91440" bIns="45720" rtlCol="0"/>
+          <a:lstStyle/>
+          <a:p>
+            <a:pPr lvl="0"/>
+            <a:r>
+              <a:rPr lang="en-US" smtClean="0"/>
+              <a:t>Click to edit Master text styles</a:t>
+            </a:r>
+          </a:p>
+          <a:p>
+            <a:pPr lvl="1"/>
+            <a:r>
+              <a:rPr lang="en-US" smtClean="0"/>
+              <a:t>Second level</a:t>
+            </a:r>
+          </a:p>
+          <a:p>
+            <a:pPr lvl="2"/>
+            <a:r>
+              <a:rPr lang="en-US" smtClean="0"/>
+              <a:t>Third level</a:t>
+            </a:r>
+          </a:p>
+          <a:p>
+            <a:pPr lvl="3"/>
+            <a:r>
+              <a:rPr lang="en-US" smtClean="0"/>
+              <a:t>Fourth level</a:t>
+            </a:r>
+          </a:p>
+          <a:p>
+            <a:pPr lvl="4"/>
+            <a:r>
+              <a:rPr lang="en-US" smtClean="0"/>
+              <a:t>Fifth level</a:t>
+            </a:r>
+            <a:endParaRPr lang="en-US"/>
+          </a:p>
+        </p:txBody>
+      </p:sp>
+      <p:sp>
+        <p:nvSpPr>
+          <p:cNvPr id="6" name="Footer Placeholder 5"/>
+          <p:cNvSpPr>
+            <a:spLocks noGrp="1"/>
+          </p:cNvSpPr>
+          <p:nvPr>
+            <p:ph type="ftr" sz="quarter" idx="4"/>
+          </p:nvPr>
+        </p:nvSpPr>
+        <p:spPr>
+          <a:xfrm>
+            <a:off x="0" y="8685213"/>
+            <a:ext cx="2971800" cy="458787"/>
+          </a:xfrm>
+          <a:prstGeom prst="rect">
+            <a:avLst/>
+          </a:prstGeom>
+        </p:spPr>
+        <p:txBody>
+          <a:bodyPr vert="horz" lIns="91440" tIns="45720" rIns="91440" bIns="45720" rtlCol="0" anchor="b"/>
+          <a:lstStyle>
+            <a:lvl1pPr algn="l">
+              <a:defRPr sz="1200"/>
+            </a:lvl1pPr>
+          </a:lstStyle>
+          <a:p>
+            <a:endParaRPr lang="en-US"/>
+          </a:p>
+        </p:txBody>
+      </p:sp>
+      <p:sp>
+        <p:nvSpPr>
+          <p:cNvPr id="7" name="Slide Number Placeholder 6"/>
+          <p:cNvSpPr>
+            <a:spLocks noGrp="1"/>
+          </p:cNvSpPr>
+          <p:nvPr>
+            <p:ph type="sldNum" sz="quarter" idx="5"/>
+          </p:nvPr>
+        </p:nvSpPr>
+        <p:spPr>
+          <a:xfrm>
+            <a:off x="3884613" y="8685213"/>
+            <a:ext cx="2971800" cy="458787"/>
+          </a:xfrm>
+          <a:prstGeom prst="rect">
+            <a:avLst/>
+          </a:prstGeom>
+        </p:spPr>
+        <p:txBody>
+          <a:bodyPr vert="horz" lIns="91440" tIns="45720" rIns="91440" bIns="45720" rtlCol="0" anchor="b"/>
+          <a:lstStyle>
+            <a:lvl1pPr algn="r">
+              <a:defRPr sz="1200"/>
+            </a:lvl1pPr>
+          </a:lstStyle>
+          <a:p>
+            <a:fld id="{A151C8CE-5095-B74C-BBD4-41AFAB3CC113}" type="slidenum">
+              <a:rPr lang="en-US" smtClean="0"/>
+              <a:t>‹#›</a:t>
+            </a:fld>
+            <a:endParaRPr lang="en-US"/>
+          </a:p>
+        </p:txBody>
+      </p:sp>
+    </p:spTree>
+    <p:extLst>
+      <p:ext uri="{BB962C8B-B14F-4D97-AF65-F5344CB8AC3E}">
+        <p14:creationId xmlns:p14="http://schemas.microsoft.com/office/powerpoint/2010/main" val="22343687"/>
+      </p:ext>
+    </p:extLst>
+  </p:cSld>
+  <p:clrMap bg1="lt1" tx1="dk1" bg2="lt2" tx2="dk2" accent1="accent1" accent2="accent2" accent3="accent3" accent4="accent4" accent5="accent5" accent6="accent6" hlink="hlink" folHlink="folHlink"/>
+  <p:notesStyle>
+    <a:lvl1pPr marL="0" algn="l" defTabSz="914400" rtl="0" eaLnBrk="1" latinLnBrk="0" hangingPunct="1">
+      <a:defRPr sz="1200" kern="1200">
+        <a:solidFill>
+          <a:schemeClr val="tx1"/>
+        </a:solidFill>
+        <a:latin typeface="+mn-lt"/>
+        <a:ea typeface="+mn-ea"/>
+        <a:cs typeface="+mn-cs"/>
+      </a:defRPr>
+    </a:lvl1pPr>
+    <a:lvl2pPr marL="457200" algn="l" defTabSz="914400" rtl="0" eaLnBrk="1" latinLnBrk="0" hangingPunct="1">
+      <a:defRPr sz="1200" kern="1200">
+        <a:solidFill>
+          <a:schemeClr val="tx1"/>
+        </a:solidFill>
+        <a:latin typeface="+mn-lt"/>
+        <a:ea typeface="+mn-ea"/>
+        <a:cs typeface="+mn-cs"/>
+      </a:defRPr>
+    </a:lvl2pPr>
+    <a:lvl3pPr marL="914400" algn="l" defTabSz="914400" rtl="0" eaLnBrk="1" latinLnBrk="0" hangingPunct="1">
+      <a:defRPr sz="1200" kern="1200">
+        <a:solidFill>
+          <a:schemeClr val="tx1"/>
+        </a:solidFill>
+        <a:latin typeface="+mn-lt"/>
+        <a:ea typeface="+mn-ea"/>
+        <a:cs typeface="+mn-cs"/>
+      </a:defRPr>
+    </a:lvl3pPr>
+    <a:lvl4pPr marL="1371600" algn="l" defTabSz="914400" rtl="0" eaLnBrk="1" latinLnBrk="0" hangingPunct="1">
+      <a:defRPr sz="1200" kern="1200">
+        <a:solidFill>
+          <a:schemeClr val="tx1"/>
+        </a:solidFill>
+        <a:latin typeface="+mn-lt"/>
+        <a:ea typeface="+mn-ea"/>
+        <a:cs typeface="+mn-cs"/>
+      </a:defRPr>
+    </a:lvl4pPr>
+    <a:lvl5pPr marL="1828800" algn="l" defTabSz="914400" rtl="0" eaLnBrk="1" latinLnBrk="0" hangingPunct="1">
+      <a:defRPr sz="1200" kern="1200">
+        <a:solidFill>
+          <a:schemeClr val="tx1"/>
+        </a:solidFill>
+        <a:latin typeface="+mn-lt"/>
+        <a:ea typeface="+mn-ea"/>
+        <a:cs typeface="+mn-cs"/>
+      </a:defRPr>
+    </a:lvl5pPr>
+    <a:lvl6pPr marL="2286000" algn="l" defTabSz="914400" rtl="0" eaLnBrk="1" latinLnBrk="0" hangingPunct="1">
+      <a:defRPr sz="1200" kern="1200">
+        <a:solidFill>
+          <a:schemeClr val="tx1"/>
+        </a:solidFill>
+        <a:latin typeface="+mn-lt"/>
+        <a:ea typeface="+mn-ea"/>
+        <a:cs typeface="+mn-cs"/>
+      </a:defRPr>
+    </a:lvl6pPr>
+    <a:lvl7pPr marL="2743200" algn="l" defTabSz="914400" rtl="0" eaLnBrk="1" latinLnBrk="0" hangingPunct="1">
+      <a:defRPr sz="1200" kern="1200">
+        <a:solidFill>
+          <a:schemeClr val="tx1"/>
+        </a:solidFill>
+        <a:latin typeface="+mn-lt"/>
+        <a:ea typeface="+mn-ea"/>
+        <a:cs typeface="+mn-cs"/>
+      </a:defRPr>
+    </a:lvl7pPr>
+    <a:lvl8pPr marL="3200400" algn="l" defTabSz="914400" rtl="0" eaLnBrk="1" latinLnBrk="0" hangingPunct="1">
+      <a:defRPr sz="1200" kern="1200">
+        <a:solidFill>
+          <a:schemeClr val="tx1"/>
+        </a:solidFill>
+        <a:latin typeface="+mn-lt"/>
+        <a:ea typeface="+mn-ea"/>
+        <a:cs typeface="+mn-cs"/>
+      </a:defRPr>
+    </a:lvl8pPr>
+    <a:lvl9pPr marL="3657600" algn="l" defTabSz="914400" rtl="0" eaLnBrk="1" latinLnBrk="0" hangingPunct="1">
+      <a:defRPr sz="1200" kern="1200">
+        <a:solidFill>
+          <a:schemeClr val="tx1"/>
+        </a:solidFill>
+        <a:latin typeface="+mn-lt"/>
+        <a:ea typeface="+mn-ea"/>
+        <a:cs typeface="+mn-cs"/>
+      </a:defRPr>
+    </a:lvl9pPr>
+  </p:notesStyle>
+</p:notesMaster>
+</file>
+
 <file path=ppt/slideLayouts/slideLayout1.xml><?xml version="1.0" encoding="utf-8"?>
 <p:sldLayout xmlns:a="http://schemas.openxmlformats.org/drawingml/2006/main" xmlns:r="http://schemas.openxmlformats.org/officeDocument/2006/relationships" xmlns:p="http://schemas.openxmlformats.org/presentationml/2006/main" type="title" preserve="1">
   <p:cSld name="Title Slide">
@@ -243,7 +596,7 @@
           <a:p>
             <a:fld id="{82230ED6-5AAA-0A4A-9B1D-EC2D861041EB}" type="datetimeFigureOut">
               <a:rPr lang="en-US" smtClean="0"/>
-              <a:t>9/23/16</a:t>
+              <a:t>2/2/17</a:t>
             </a:fld>
             <a:endParaRPr lang="en-US"/>
           </a:p>
@@ -413,7 +766,7 @@
           <a:p>
             <a:fld id="{82230ED6-5AAA-0A4A-9B1D-EC2D861041EB}" type="datetimeFigureOut">
               <a:rPr lang="en-US" smtClean="0"/>
-              <a:t>9/23/16</a:t>
+              <a:t>2/2/17</a:t>
             </a:fld>
             <a:endParaRPr lang="en-US"/>
           </a:p>
@@ -593,7 +946,7 @@
           <a:p>
             <a:fld id="{82230ED6-5AAA-0A4A-9B1D-EC2D861041EB}" type="datetimeFigureOut">
               <a:rPr lang="en-US" smtClean="0"/>
-              <a:t>9/23/16</a:t>
+              <a:t>2/2/17</a:t>
             </a:fld>
             <a:endParaRPr lang="en-US"/>
           </a:p>
@@ -763,7 +1116,7 @@
           <a:p>
             <a:fld id="{82230ED6-5AAA-0A4A-9B1D-EC2D861041EB}" type="datetimeFigureOut">
               <a:rPr lang="en-US" smtClean="0"/>
-              <a:t>9/23/16</a:t>
+              <a:t>2/2/17</a:t>
             </a:fld>
             <a:endParaRPr lang="en-US"/>
           </a:p>
@@ -1009,7 +1362,7 @@
           <a:p>
             <a:fld id="{82230ED6-5AAA-0A4A-9B1D-EC2D861041EB}" type="datetimeFigureOut">
               <a:rPr lang="en-US" smtClean="0"/>
-              <a:t>9/23/16</a:t>
+              <a:t>2/2/17</a:t>
             </a:fld>
             <a:endParaRPr lang="en-US"/>
           </a:p>
@@ -1241,7 +1594,7 @@
           <a:p>
             <a:fld id="{82230ED6-5AAA-0A4A-9B1D-EC2D861041EB}" type="datetimeFigureOut">
               <a:rPr lang="en-US" smtClean="0"/>
-              <a:t>9/23/16</a:t>
+              <a:t>2/2/17</a:t>
             </a:fld>
             <a:endParaRPr lang="en-US"/>
           </a:p>
@@ -1608,7 +1961,7 @@
           <a:p>
             <a:fld id="{82230ED6-5AAA-0A4A-9B1D-EC2D861041EB}" type="datetimeFigureOut">
               <a:rPr lang="en-US" smtClean="0"/>
-              <a:t>9/23/16</a:t>
+              <a:t>2/2/17</a:t>
             </a:fld>
             <a:endParaRPr lang="en-US"/>
           </a:p>
@@ -1726,7 +2079,7 @@
           <a:p>
             <a:fld id="{82230ED6-5AAA-0A4A-9B1D-EC2D861041EB}" type="datetimeFigureOut">
               <a:rPr lang="en-US" smtClean="0"/>
-              <a:t>9/23/16</a:t>
+              <a:t>2/2/17</a:t>
             </a:fld>
             <a:endParaRPr lang="en-US"/>
           </a:p>
@@ -1821,7 +2174,7 @@
           <a:p>
             <a:fld id="{82230ED6-5AAA-0A4A-9B1D-EC2D861041EB}" type="datetimeFigureOut">
               <a:rPr lang="en-US" smtClean="0"/>
-              <a:t>9/23/16</a:t>
+              <a:t>2/2/17</a:t>
             </a:fld>
             <a:endParaRPr lang="en-US"/>
           </a:p>
@@ -2098,7 +2451,7 @@
           <a:p>
             <a:fld id="{82230ED6-5AAA-0A4A-9B1D-EC2D861041EB}" type="datetimeFigureOut">
               <a:rPr lang="en-US" smtClean="0"/>
-              <a:t>9/23/16</a:t>
+              <a:t>2/2/17</a:t>
             </a:fld>
             <a:endParaRPr lang="en-US"/>
           </a:p>
@@ -2355,7 +2708,7 @@
           <a:p>
             <a:fld id="{82230ED6-5AAA-0A4A-9B1D-EC2D861041EB}" type="datetimeFigureOut">
               <a:rPr lang="en-US" smtClean="0"/>
-              <a:t>9/23/16</a:t>
+              <a:t>2/2/17</a:t>
             </a:fld>
             <a:endParaRPr lang="en-US"/>
           </a:p>
@@ -2568,7 +2921,7 @@
           <a:p>
             <a:fld id="{82230ED6-5AAA-0A4A-9B1D-EC2D861041EB}" type="datetimeFigureOut">
               <a:rPr lang="en-US" smtClean="0"/>
-              <a:t>9/23/16</a:t>
+              <a:t>2/2/17</a:t>
             </a:fld>
             <a:endParaRPr lang="en-US"/>
           </a:p>
@@ -5238,7 +5591,7 @@
         </p:nvSpPr>
         <p:spPr>
           <a:xfrm>
-            <a:off x="9434830" y="2531549"/>
+            <a:off x="9439088" y="2900881"/>
             <a:ext cx="3073983" cy="307905"/>
           </a:xfrm>
           <a:prstGeom prst="rect">
@@ -5258,11 +5611,7 @@
             <a:pPr algn="just"/>
             <a:r>
               <a:rPr lang="en-US" sz="1401" smtClean="0"/>
-              <a:t>1</a:t>
-            </a:r>
-            <a:r>
-              <a:rPr lang="en-US" sz="1401" smtClean="0"/>
-              <a:t> = Closer </a:t>
+              <a:t>1 = Closer </a:t>
             </a:r>
             <a:r>
               <a:rPr lang="en-US" sz="1401" dirty="0"/>
@@ -5361,14 +5710,14 @@
       </p:sp>
       <p:sp>
         <p:nvSpPr>
-          <p:cNvPr id="172" name="TextBox 171"/>
+          <p:cNvPr id="174" name="TextBox 173"/>
           <p:cNvSpPr txBox="1"/>
           <p:nvPr/>
         </p:nvSpPr>
         <p:spPr>
           <a:xfrm>
-            <a:off x="9940725" y="1455004"/>
-            <a:ext cx="1223605" cy="400110"/>
+            <a:off x="3556262" y="69158"/>
+            <a:ext cx="3179204" cy="584904"/>
           </a:xfrm>
           <a:prstGeom prst="rect">
             <a:avLst/>
@@ -5382,90 +5731,6 @@
           <a:lstStyle/>
           <a:p>
             <a:r>
-              <a:rPr lang="en-US" sz="2000" dirty="0"/>
-              <a:t>++ {p</a:t>
-            </a:r>
-            <a:r>
-              <a:rPr lang="en-US" sz="2000" baseline="-25000" dirty="0"/>
-              <a:t>i</a:t>
-            </a:r>
-            <a:r>
-              <a:rPr lang="en-US" sz="2000" dirty="0"/>
-              <a:t> * L</a:t>
-            </a:r>
-            <a:r>
-              <a:rPr lang="en-US" sz="2000" baseline="-25000" dirty="0"/>
-              <a:t>i</a:t>
-            </a:r>
-            <a:r>
-              <a:rPr lang="en-US" sz="2000" dirty="0"/>
-              <a:t>}</a:t>
-            </a:r>
-            <a:endParaRPr lang="en-US" sz="1401" dirty="0"/>
-          </a:p>
-        </p:txBody>
-      </p:sp>
-      <p:sp>
-        <p:nvSpPr>
-          <p:cNvPr id="173" name="TextBox 172"/>
-          <p:cNvSpPr txBox="1"/>
-          <p:nvPr/>
-        </p:nvSpPr>
-        <p:spPr>
-          <a:xfrm>
-            <a:off x="9783550" y="1941232"/>
-            <a:ext cx="2131994" cy="400110"/>
-          </a:xfrm>
-          <a:prstGeom prst="rect">
-            <a:avLst/>
-          </a:prstGeom>
-          <a:noFill/>
-        </p:spPr>
-        <p:txBody>
-          <a:bodyPr wrap="none" rtlCol="0">
-            <a:spAutoFit/>
-          </a:bodyPr>
-          <a:lstStyle/>
-          <a:p>
-            <a:r>
-              <a:rPr lang="en-US" sz="2000" dirty="0"/>
-              <a:t>L</a:t>
-            </a:r>
-            <a:r>
-              <a:rPr lang="en-US" sz="2000" baseline="-25000" dirty="0" smtClean="0"/>
-              <a:t>i</a:t>
-            </a:r>
-            <a:r>
-              <a:rPr lang="en-US" sz="2000" dirty="0"/>
-              <a:t> = Location factor</a:t>
-            </a:r>
-            <a:endParaRPr lang="en-US" sz="1401" dirty="0"/>
-          </a:p>
-        </p:txBody>
-      </p:sp>
-      <p:sp>
-        <p:nvSpPr>
-          <p:cNvPr id="174" name="TextBox 173"/>
-          <p:cNvSpPr txBox="1"/>
-          <p:nvPr/>
-        </p:nvSpPr>
-        <p:spPr>
-          <a:xfrm>
-            <a:off x="3556262" y="69158"/>
-            <a:ext cx="3179204" cy="584904"/>
-          </a:xfrm>
-          <a:prstGeom prst="rect">
-            <a:avLst/>
-          </a:prstGeom>
-          <a:noFill/>
-        </p:spPr>
-        <p:txBody>
-          <a:bodyPr wrap="none" rtlCol="0">
-            <a:spAutoFit/>
-          </a:bodyPr>
-          <a:lstStyle/>
-          <a:p>
-            <a:r>
               <a:rPr lang="en-US" sz="3201" b="1"/>
               <a:t>Parameters space</a:t>
             </a:r>
@@ -5481,7 +5746,7 @@
         </p:nvSpPr>
         <p:spPr>
           <a:xfrm>
-            <a:off x="7579738" y="5266242"/>
+            <a:off x="7316581" y="4638046"/>
             <a:ext cx="4714149" cy="1170192"/>
           </a:xfrm>
           <a:prstGeom prst="rect">
@@ -5511,21 +5776,8 @@
             </a:r>
             <a:r>
               <a:rPr lang="en-US" sz="1401" dirty="0" smtClean="0"/>
-              <a:t>. So, it’s value is a random number </a:t>
-            </a:r>
-            <a:r>
-              <a:rPr lang="en-US" sz="1401" dirty="0" smtClean="0"/>
-              <a:t>taken from a </a:t>
-            </a:r>
-            <a:r>
-              <a:rPr lang="en-US" sz="1401" dirty="0" smtClean="0"/>
-              <a:t>decay distribution that approximate better with current estimations of number of independent origins. </a:t>
-            </a:r>
-            <a:r>
-              <a:rPr lang="en-US" sz="1401" dirty="0" smtClean="0"/>
-              <a:t>Also, for now the Location factor is set to 1.</a:t>
-            </a:r>
-            <a:endParaRPr lang="en-US" sz="1401" dirty="0" smtClean="0"/>
+              <a:t>. So, it’s value is a random number taken from a decay distribution that approximate better with current estimations of number of independent origins. Also, for now the Location factor is set to 1.</a:t>
+            </a:r>
           </a:p>
         </p:txBody>
       </p:sp>
@@ -5537,8 +5789,8 @@
         </p:nvSpPr>
         <p:spPr>
           <a:xfrm>
-            <a:off x="7583650" y="4368630"/>
-            <a:ext cx="4714149" cy="739048"/>
+            <a:off x="7316582" y="3951798"/>
+            <a:ext cx="4714149" cy="523477"/>
           </a:xfrm>
           <a:prstGeom prst="rect">
             <a:avLst/>
@@ -5559,8 +5811,199 @@
             <a:pPr algn="just"/>
             <a:r>
               <a:rPr lang="en-US" sz="1401" dirty="0" smtClean="0"/>
-              <a:t>Note1: Takeover by Domestication only happens if the target is in a suitable location for domestication. The same happens to diffusion.</a:t>
-            </a:r>
+              <a:t>Note1: </a:t>
+            </a:r>
+            <a:r>
+              <a:rPr lang="en-US" sz="1401" dirty="0" smtClean="0"/>
+              <a:t>Extinction probabilities are conditioned to be smaller than the correspondent speciation (unless for D in Non-D). </a:t>
+            </a:r>
+            <a:endParaRPr lang="en-US" sz="1401" dirty="0" smtClean="0"/>
+          </a:p>
+        </p:txBody>
+      </p:sp>
+      <p:sp>
+        <p:nvSpPr>
+          <p:cNvPr id="2" name="Rectangle 1"/>
+          <p:cNvSpPr/>
+          <p:nvPr/>
+        </p:nvSpPr>
+        <p:spPr>
+          <a:xfrm>
+            <a:off x="9165390" y="588971"/>
+            <a:ext cx="3075970" cy="3031792"/>
+          </a:xfrm>
+          <a:prstGeom prst="rect">
+            <a:avLst/>
+          </a:prstGeom>
+        </p:spPr>
+        <p:txBody>
+          <a:bodyPr wrap="none">
+            <a:spAutoFit/>
+          </a:bodyPr>
+          <a:lstStyle/>
+          <a:p>
+            <a:pPr algn="ctr">
+              <a:lnSpc>
+                <a:spcPct val="150000"/>
+              </a:lnSpc>
+            </a:pPr>
+            <a:r>
+              <a:rPr lang="en-US" sz="2000" dirty="0" smtClean="0"/>
+              <a:t>Non-D = non-domesticators</a:t>
+            </a:r>
+          </a:p>
+          <a:p>
+            <a:pPr algn="ctr">
+              <a:lnSpc>
+                <a:spcPct val="150000"/>
+              </a:lnSpc>
+            </a:pPr>
+            <a:r>
+              <a:rPr lang="en-US" sz="2000" dirty="0" smtClean="0"/>
+              <a:t>D = domesticator</a:t>
+            </a:r>
+          </a:p>
+          <a:p>
+            <a:pPr algn="ctr">
+              <a:lnSpc>
+                <a:spcPct val="150000"/>
+              </a:lnSpc>
+            </a:pPr>
+            <a:r>
+              <a:rPr lang="en-US" sz="2000" dirty="0" smtClean="0"/>
+              <a:t>F = Forager</a:t>
+            </a:r>
+          </a:p>
+          <a:p>
+            <a:pPr algn="ctr">
+              <a:lnSpc>
+                <a:spcPct val="150000"/>
+              </a:lnSpc>
+            </a:pPr>
+            <a:r>
+              <a:rPr lang="en-US" sz="2000" dirty="0"/>
+              <a:t>L</a:t>
+            </a:r>
+            <a:r>
+              <a:rPr lang="en-US" sz="2000" baseline="-25000" dirty="0"/>
+              <a:t>i</a:t>
+            </a:r>
+            <a:r>
+              <a:rPr lang="en-US" sz="2000" dirty="0"/>
+              <a:t> = Location </a:t>
+            </a:r>
+            <a:r>
+              <a:rPr lang="en-US" sz="2000" dirty="0" smtClean="0"/>
+              <a:t>factor</a:t>
+            </a:r>
+          </a:p>
+          <a:p>
+            <a:pPr lvl="0" algn="ctr"/>
+            <a:r>
+              <a:rPr lang="en-US" sz="2000" dirty="0" smtClean="0">
+                <a:solidFill>
+                  <a:prstClr val="black"/>
+                </a:solidFill>
+              </a:rPr>
+              <a:t>+ </a:t>
+            </a:r>
+            <a:r>
+              <a:rPr lang="en-US" sz="2000" dirty="0">
+                <a:solidFill>
+                  <a:prstClr val="black"/>
+                </a:solidFill>
+              </a:rPr>
+              <a:t>{p</a:t>
+            </a:r>
+            <a:r>
+              <a:rPr lang="en-US" sz="2000" baseline="-25000" dirty="0">
+                <a:solidFill>
+                  <a:prstClr val="black"/>
+                </a:solidFill>
+              </a:rPr>
+              <a:t>i</a:t>
+            </a:r>
+            <a:r>
+              <a:rPr lang="en-US" sz="2000" dirty="0">
+                <a:solidFill>
+                  <a:prstClr val="black"/>
+                </a:solidFill>
+              </a:rPr>
+              <a:t> * L</a:t>
+            </a:r>
+            <a:r>
+              <a:rPr lang="en-US" sz="2000" baseline="-25000" dirty="0">
+                <a:solidFill>
+                  <a:prstClr val="black"/>
+                </a:solidFill>
+              </a:rPr>
+              <a:t>i</a:t>
+            </a:r>
+            <a:r>
+              <a:rPr lang="en-US" sz="2000" dirty="0">
+                <a:solidFill>
+                  <a:prstClr val="black"/>
+                </a:solidFill>
+              </a:rPr>
+              <a:t>}</a:t>
+            </a:r>
+            <a:endParaRPr lang="en-US" sz="1401" dirty="0">
+              <a:solidFill>
+                <a:prstClr val="black"/>
+              </a:solidFill>
+            </a:endParaRPr>
+          </a:p>
+          <a:p>
+            <a:pPr algn="ctr">
+              <a:lnSpc>
+                <a:spcPct val="150000"/>
+              </a:lnSpc>
+            </a:pPr>
+            <a:endParaRPr lang="en-US" sz="1401" dirty="0" smtClean="0"/>
+          </a:p>
+          <a:p>
+            <a:pPr algn="ctr">
+              <a:lnSpc>
+                <a:spcPct val="150000"/>
+              </a:lnSpc>
+            </a:pPr>
+            <a:endParaRPr lang="en-US" sz="2000" dirty="0"/>
+          </a:p>
+        </p:txBody>
+      </p:sp>
+      <p:sp>
+        <p:nvSpPr>
+          <p:cNvPr id="87" name="TextBox 86"/>
+          <p:cNvSpPr txBox="1"/>
+          <p:nvPr/>
+        </p:nvSpPr>
+        <p:spPr>
+          <a:xfrm>
+            <a:off x="7324457" y="5971009"/>
+            <a:ext cx="4714149" cy="523477"/>
+          </a:xfrm>
+          <a:prstGeom prst="rect">
+            <a:avLst/>
+          </a:prstGeom>
+          <a:noFill/>
+          <a:ln>
+            <a:solidFill>
+              <a:schemeClr val="tx1"/>
+            </a:solidFill>
+          </a:ln>
+        </p:spPr>
+        <p:txBody>
+          <a:bodyPr wrap="square" rtlCol="0">
+            <a:spAutoFit/>
+          </a:bodyPr>
+          <a:lstStyle/>
+          <a:p>
+            <a:pPr algn="just"/>
+            <a:r>
+              <a:rPr lang="en-US" sz="1401" dirty="0" smtClean="0"/>
+              <a:t>Note3: In takeover, all values are conditioned to be smaller than the interaction between source D against target F.</a:t>
+            </a:r>
+            <a:endParaRPr lang="en-US" sz="1401" dirty="0" smtClean="0"/>
           </a:p>
         </p:txBody>
       </p:sp>
@@ -5836,4 +6279,265 @@
     </a:ext>
   </a:extLst>
 </a:theme>
+</file>
+
+<file path=ppt/theme/theme2.xml><?xml version="1.0" encoding="utf-8"?>
+<a:theme xmlns:a="http://schemas.openxmlformats.org/drawingml/2006/main" name="Office Theme">
+  <a:themeElements>
+    <a:clrScheme name="Office">
+      <a:dk1>
+        <a:sysClr val="windowText" lastClr="000000"/>
+      </a:dk1>
+      <a:lt1>
+        <a:sysClr val="window" lastClr="FFFFFF"/>
+      </a:lt1>
+      <a:dk2>
+        <a:srgbClr val="44546A"/>
+      </a:dk2>
+      <a:lt2>
+        <a:srgbClr val="E7E6E6"/>
+      </a:lt2>
+      <a:accent1>
+        <a:srgbClr val="4472C4"/>
+      </a:accent1>
+      <a:accent2>
+        <a:srgbClr val="ED7D31"/>
+      </a:accent2>
+      <a:accent3>
+        <a:srgbClr val="A5A5A5"/>
+      </a:accent3>
+      <a:accent4>
+        <a:srgbClr val="FFC000"/>
+      </a:accent4>
+      <a:accent5>
+        <a:srgbClr val="5B9BD5"/>
+      </a:accent5>
+      <a:accent6>
+        <a:srgbClr val="70AD47"/>
+      </a:accent6>
+      <a:hlink>
+        <a:srgbClr val="0563C1"/>
+      </a:hlink>
+      <a:folHlink>
+        <a:srgbClr val="954F72"/>
+      </a:folHlink>
+    </a:clrScheme>
+    <a:fontScheme name="Office">
+      <a:majorFont>
+        <a:latin typeface="Calibri Light" panose="020F0302020204030204"/>
+        <a:ea typeface=""/>
+        <a:cs typeface=""/>
+        <a:font script="Jpan" typeface="Yu Gothic Light"/>
+        <a:font script="Hang" typeface="맑은 고딕"/>
+        <a:font script="Hans" typeface="DengXian Light"/>
+        <a:font script="Hant" typeface="新細明體"/>
+        <a:font script="Arab" typeface="Times New Roman"/>
+        <a:font script="Hebr" typeface="Times New Roman"/>
+        <a:font script="Thai" typeface="Angsana New"/>
+        <a:font script="Ethi" typeface="Nyala"/>
+        <a:font script="Beng" typeface="Vrinda"/>
+        <a:font script="Gujr" typeface="Shruti"/>
+        <a:font script="Khmr" typeface="MoolBoran"/>
+        <a:font script="Knda" typeface="Tunga"/>
+        <a:font script="Guru" typeface="Raavi"/>
+        <a:font script="Cans" typeface="Euphemia"/>
+        <a:font script="Cher" typeface="Plantagenet Cherokee"/>
+        <a:font script="Yiii" typeface="Microsoft Yi Baiti"/>
+        <a:font script="Tibt" typeface="Microsoft Himalaya"/>
+        <a:font script="Thaa" typeface="MV Boli"/>
+        <a:font script="Deva" typeface="Mangal"/>
+        <a:font script="Telu" typeface="Gautami"/>
+        <a:font script="Taml" typeface="Latha"/>
+        <a:font script="Syrc" typeface="Estrangelo Edessa"/>
+        <a:font script="Orya" typeface="Kalinga"/>
+        <a:font script="Mlym" typeface="Kartika"/>
+        <a:font script="Laoo" typeface="DokChampa"/>
+        <a:font script="Sinh" typeface="Iskoola Pota"/>
+        <a:font script="Mong" typeface="Mongolian Baiti"/>
+        <a:font script="Viet" typeface="Times New Roman"/>
+        <a:font script="Uigh" typeface="Microsoft Uighur"/>
+        <a:font script="Geor" typeface="Sylfaen"/>
+      </a:majorFont>
+      <a:minorFont>
+        <a:latin typeface="Calibri" panose="020F0502020204030204"/>
+        <a:ea typeface=""/>
+        <a:cs typeface=""/>
+        <a:font script="Jpan" typeface="Yu Gothic"/>
+        <a:font script="Hang" typeface="맑은 고딕"/>
+        <a:font script="Hans" typeface="DengXian"/>
+        <a:font script="Hant" typeface="新細明體"/>
+        <a:font script="Arab" typeface="Arial"/>
+        <a:font script="Hebr" typeface="Arial"/>
+        <a:font script="Thai" typeface="Cordia New"/>
+        <a:font script="Ethi" typeface="Nyala"/>
+        <a:font script="Beng" typeface="Vrinda"/>
+        <a:font script="Gujr" typeface="Shruti"/>
+        <a:font script="Khmr" typeface="DaunPenh"/>
+        <a:font script="Knda" typeface="Tunga"/>
+        <a:font script="Guru" typeface="Raavi"/>
+        <a:font script="Cans" typeface="Euphemia"/>
+        <a:font script="Cher" typeface="Plantagenet Cherokee"/>
+        <a:font script="Yiii" typeface="Microsoft Yi Baiti"/>
+        <a:font script="Tibt" typeface="Microsoft Himalaya"/>
+        <a:font script="Thaa" typeface="MV Boli"/>
+        <a:font script="Deva" typeface="Mangal"/>
+        <a:font script="Telu" typeface="Gautami"/>
+        <a:font script="Taml" typeface="Latha"/>
+        <a:font script="Syrc" typeface="Estrangelo Edessa"/>
+        <a:font script="Orya" typeface="Kalinga"/>
+        <a:font script="Mlym" typeface="Kartika"/>
+        <a:font script="Laoo" typeface="DokChampa"/>
+        <a:font script="Sinh" typeface="Iskoola Pota"/>
+        <a:font script="Mong" typeface="Mongolian Baiti"/>
+        <a:font script="Viet" typeface="Arial"/>
+        <a:font script="Uigh" typeface="Microsoft Uighur"/>
+        <a:font script="Geor" typeface="Sylfaen"/>
+      </a:minorFont>
+    </a:fontScheme>
+    <a:fmtScheme name="Office">
+      <a:fillStyleLst>
+        <a:solidFill>
+          <a:schemeClr val="phClr"/>
+        </a:solidFill>
+        <a:gradFill rotWithShape="1">
+          <a:gsLst>
+            <a:gs pos="0">
+              <a:schemeClr val="phClr">
+                <a:lumMod val="110000"/>
+                <a:satMod val="105000"/>
+                <a:tint val="67000"/>
+              </a:schemeClr>
+            </a:gs>
+            <a:gs pos="50000">
+              <a:schemeClr val="phClr">
+                <a:lumMod val="105000"/>
+                <a:satMod val="103000"/>
+                <a:tint val="73000"/>
+              </a:schemeClr>
+            </a:gs>
+            <a:gs pos="100000">
+              <a:schemeClr val="phClr">
+                <a:lumMod val="105000"/>
+                <a:satMod val="109000"/>
+                <a:tint val="81000"/>
+              </a:schemeClr>
+            </a:gs>
+          </a:gsLst>
+          <a:lin ang="5400000" scaled="0"/>
+        </a:gradFill>
+        <a:gradFill rotWithShape="1">
+          <a:gsLst>
+            <a:gs pos="0">
+              <a:schemeClr val="phClr">
+                <a:satMod val="103000"/>
+                <a:lumMod val="102000"/>
+                <a:tint val="94000"/>
+              </a:schemeClr>
+            </a:gs>
+            <a:gs pos="50000">
+              <a:schemeClr val="phClr">
+                <a:satMod val="110000"/>
+                <a:lumMod val="100000"/>
+                <a:shade val="100000"/>
+              </a:schemeClr>
+            </a:gs>
+            <a:gs pos="100000">
+              <a:schemeClr val="phClr">
+                <a:lumMod val="99000"/>
+                <a:satMod val="120000"/>
+                <a:shade val="78000"/>
+              </a:schemeClr>
+            </a:gs>
+          </a:gsLst>
+          <a:lin ang="5400000" scaled="0"/>
+        </a:gradFill>
+      </a:fillStyleLst>
+      <a:lnStyleLst>
+        <a:ln w="6350" cap="flat" cmpd="sng" algn="ctr">
+          <a:solidFill>
+            <a:schemeClr val="phClr"/>
+          </a:solidFill>
+          <a:prstDash val="solid"/>
+          <a:miter lim="800000"/>
+        </a:ln>
+        <a:ln w="12700" cap="flat" cmpd="sng" algn="ctr">
+          <a:solidFill>
+            <a:schemeClr val="phClr"/>
+          </a:solidFill>
+          <a:prstDash val="solid"/>
+          <a:miter lim="800000"/>
+        </a:ln>
+        <a:ln w="19050" cap="flat" cmpd="sng" algn="ctr">
+          <a:solidFill>
+            <a:schemeClr val="phClr"/>
+          </a:solidFill>
+          <a:prstDash val="solid"/>
+          <a:miter lim="800000"/>
+        </a:ln>
+      </a:lnStyleLst>
+      <a:effectStyleLst>
+        <a:effectStyle>
+          <a:effectLst/>
+        </a:effectStyle>
+        <a:effectStyle>
+          <a:effectLst/>
+        </a:effectStyle>
+        <a:effectStyle>
+          <a:effectLst>
+            <a:outerShdw blurRad="57150" dist="19050" dir="5400000" algn="ctr" rotWithShape="0">
+              <a:srgbClr val="000000">
+                <a:alpha val="63000"/>
+              </a:srgbClr>
+            </a:outerShdw>
+          </a:effectLst>
+        </a:effectStyle>
+      </a:effectStyleLst>
+      <a:bgFillStyleLst>
+        <a:solidFill>
+          <a:schemeClr val="phClr"/>
+        </a:solidFill>
+        <a:solidFill>
+          <a:schemeClr val="phClr">
+            <a:tint val="95000"/>
+            <a:satMod val="170000"/>
+          </a:schemeClr>
+        </a:solidFill>
+        <a:gradFill rotWithShape="1">
+          <a:gsLst>
+            <a:gs pos="0">
+              <a:schemeClr val="phClr">
+                <a:tint val="93000"/>
+                <a:satMod val="150000"/>
+                <a:shade val="98000"/>
+                <a:lumMod val="102000"/>
+              </a:schemeClr>
+            </a:gs>
+            <a:gs pos="50000">
+              <a:schemeClr val="phClr">
+                <a:tint val="98000"/>
+                <a:satMod val="130000"/>
+                <a:shade val="90000"/>
+                <a:lumMod val="103000"/>
+              </a:schemeClr>
+            </a:gs>
+            <a:gs pos="100000">
+              <a:schemeClr val="phClr">
+                <a:shade val="63000"/>
+                <a:satMod val="120000"/>
+              </a:schemeClr>
+            </a:gs>
+          </a:gsLst>
+          <a:lin ang="5400000" scaled="0"/>
+        </a:gradFill>
+      </a:bgFillStyleLst>
+    </a:fmtScheme>
+  </a:themeElements>
+  <a:objectDefaults/>
+  <a:extraClrSchemeLst/>
+  <a:extLst>
+    <a:ext uri="{05A4C25C-085E-4340-85A3-A5531E510DB2}">
+      <thm15:themeFamily xmlns:thm15="http://schemas.microsoft.com/office/thememl/2012/main" name="Office Theme" id="{62F939B6-93AF-4DB8-9C6B-D6C7DFDC589F}" vid="{4A3C46E8-61CC-4603-A589-7422A47A8E4A}"/>
+    </a:ext>
+  </a:extLst>
+</a:theme>
 </file>